--- a/assets/presentasi/presentasi.pptx
+++ b/assets/presentasi/presentasi.pptx
@@ -5,7 +5,7 @@
     <p:sldMasterId id="2147483648" r:id="rId1"/>
   </p:sldMasterIdLst>
   <p:notesMasterIdLst>
-    <p:notesMasterId r:id="rId17"/>
+    <p:notesMasterId r:id="rId20"/>
   </p:notesMasterIdLst>
   <p:sldIdLst>
     <p:sldId id="257" r:id="rId2"/>
@@ -22,7 +22,10 @@
     <p:sldId id="270" r:id="rId13"/>
     <p:sldId id="271" r:id="rId14"/>
     <p:sldId id="272" r:id="rId15"/>
-    <p:sldId id="273" r:id="rId16"/>
+    <p:sldId id="274" r:id="rId16"/>
+    <p:sldId id="275" r:id="rId17"/>
+    <p:sldId id="276" r:id="rId18"/>
+    <p:sldId id="273" r:id="rId19"/>
   </p:sldIdLst>
   <p:sldSz cx="12192000" cy="6858000"/>
   <p:notesSz cx="6858000" cy="9144000"/>
@@ -211,7 +214,7 @@
           <a:p>
             <a:fld id="{7FE68145-581C-48FF-871F-1195D7A0F615}" type="datetimeFigureOut">
               <a:rPr lang="en-US" smtClean="0"/>
-              <a:t>12/26/2023</a:t>
+              <a:t>12/29/2023</a:t>
             </a:fld>
             <a:endParaRPr lang="en-US"/>
           </a:p>
@@ -1213,7 +1216,7 @@
           <a:p>
             <a:fld id="{990F9174-9EAB-4AF2-B0B4-56EA8A44E931}" type="datetimeFigureOut">
               <a:rPr lang="en-US" smtClean="0"/>
-              <a:t>12/26/2023</a:t>
+              <a:t>12/29/2023</a:t>
             </a:fld>
             <a:endParaRPr lang="en-US"/>
           </a:p>
@@ -1411,7 +1414,7 @@
           <a:p>
             <a:fld id="{990F9174-9EAB-4AF2-B0B4-56EA8A44E931}" type="datetimeFigureOut">
               <a:rPr lang="en-US" smtClean="0"/>
-              <a:t>12/26/2023</a:t>
+              <a:t>12/29/2023</a:t>
             </a:fld>
             <a:endParaRPr lang="en-US"/>
           </a:p>
@@ -1619,7 +1622,7 @@
           <a:p>
             <a:fld id="{990F9174-9EAB-4AF2-B0B4-56EA8A44E931}" type="datetimeFigureOut">
               <a:rPr lang="en-US" smtClean="0"/>
-              <a:t>12/26/2023</a:t>
+              <a:t>12/29/2023</a:t>
             </a:fld>
             <a:endParaRPr lang="en-US"/>
           </a:p>
@@ -1817,7 +1820,7 @@
           <a:p>
             <a:fld id="{990F9174-9EAB-4AF2-B0B4-56EA8A44E931}" type="datetimeFigureOut">
               <a:rPr lang="en-US" smtClean="0"/>
-              <a:t>12/26/2023</a:t>
+              <a:t>12/29/2023</a:t>
             </a:fld>
             <a:endParaRPr lang="en-US"/>
           </a:p>
@@ -2092,7 +2095,7 @@
           <a:p>
             <a:fld id="{990F9174-9EAB-4AF2-B0B4-56EA8A44E931}" type="datetimeFigureOut">
               <a:rPr lang="en-US" smtClean="0"/>
-              <a:t>12/26/2023</a:t>
+              <a:t>12/29/2023</a:t>
             </a:fld>
             <a:endParaRPr lang="en-US"/>
           </a:p>
@@ -2357,7 +2360,7 @@
           <a:p>
             <a:fld id="{990F9174-9EAB-4AF2-B0B4-56EA8A44E931}" type="datetimeFigureOut">
               <a:rPr lang="en-US" smtClean="0"/>
-              <a:t>12/26/2023</a:t>
+              <a:t>12/29/2023</a:t>
             </a:fld>
             <a:endParaRPr lang="en-US"/>
           </a:p>
@@ -2769,7 +2772,7 @@
           <a:p>
             <a:fld id="{990F9174-9EAB-4AF2-B0B4-56EA8A44E931}" type="datetimeFigureOut">
               <a:rPr lang="en-US" smtClean="0"/>
-              <a:t>12/26/2023</a:t>
+              <a:t>12/29/2023</a:t>
             </a:fld>
             <a:endParaRPr lang="en-US"/>
           </a:p>
@@ -2910,7 +2913,7 @@
           <a:p>
             <a:fld id="{990F9174-9EAB-4AF2-B0B4-56EA8A44E931}" type="datetimeFigureOut">
               <a:rPr lang="en-US" smtClean="0"/>
-              <a:t>12/26/2023</a:t>
+              <a:t>12/29/2023</a:t>
             </a:fld>
             <a:endParaRPr lang="en-US"/>
           </a:p>
@@ -3023,7 +3026,7 @@
           <a:p>
             <a:fld id="{990F9174-9EAB-4AF2-B0B4-56EA8A44E931}" type="datetimeFigureOut">
               <a:rPr lang="en-US" smtClean="0"/>
-              <a:t>12/26/2023</a:t>
+              <a:t>12/29/2023</a:t>
             </a:fld>
             <a:endParaRPr lang="en-US"/>
           </a:p>
@@ -3334,7 +3337,7 @@
           <a:p>
             <a:fld id="{990F9174-9EAB-4AF2-B0B4-56EA8A44E931}" type="datetimeFigureOut">
               <a:rPr lang="en-US" smtClean="0"/>
-              <a:t>12/26/2023</a:t>
+              <a:t>12/29/2023</a:t>
             </a:fld>
             <a:endParaRPr lang="en-US"/>
           </a:p>
@@ -3622,7 +3625,7 @@
           <a:p>
             <a:fld id="{990F9174-9EAB-4AF2-B0B4-56EA8A44E931}" type="datetimeFigureOut">
               <a:rPr lang="en-US" smtClean="0"/>
-              <a:t>12/26/2023</a:t>
+              <a:t>12/29/2023</a:t>
             </a:fld>
             <a:endParaRPr lang="en-US"/>
           </a:p>
@@ -3863,7 +3866,7 @@
           <a:p>
             <a:fld id="{990F9174-9EAB-4AF2-B0B4-56EA8A44E931}" type="datetimeFigureOut">
               <a:rPr lang="en-US" smtClean="0"/>
-              <a:t>12/26/2023</a:t>
+              <a:t>12/29/2023</a:t>
             </a:fld>
             <a:endParaRPr lang="en-US"/>
           </a:p>
@@ -7593,13 +7596,13 @@
   <p:clrMapOvr>
     <a:masterClrMapping/>
   </p:clrMapOvr>
-  <mc:AlternateContent xmlns:mc="http://schemas.openxmlformats.org/markup-compatibility/2006">
-    <mc:Choice xmlns:p159="http://schemas.microsoft.com/office/powerpoint/2015/09/main" Requires="p159">
+  <mc:AlternateContent xmlns:mc="http://schemas.openxmlformats.org/markup-compatibility/2006" xmlns:p159="http://schemas.microsoft.com/office/powerpoint/2015/09/main">
+    <mc:Choice Requires="p159">
       <p:transition xmlns:p14="http://schemas.microsoft.com/office/powerpoint/2010/main" spd="slow" p14:dur="2000">
         <p159:morph option="byObject"/>
       </p:transition>
     </mc:Choice>
-    <mc:Fallback>
+    <mc:Fallback xmlns="">
       <p:transition spd="slow">
         <p:fade/>
       </p:transition>
@@ -8938,13 +8941,13 @@
   <p:clrMapOvr>
     <a:masterClrMapping/>
   </p:clrMapOvr>
-  <mc:AlternateContent xmlns:mc="http://schemas.openxmlformats.org/markup-compatibility/2006">
-    <mc:Choice xmlns:p159="http://schemas.microsoft.com/office/powerpoint/2015/09/main" Requires="p159">
+  <mc:AlternateContent xmlns:mc="http://schemas.openxmlformats.org/markup-compatibility/2006" xmlns:p159="http://schemas.microsoft.com/office/powerpoint/2015/09/main">
+    <mc:Choice Requires="p159">
       <p:transition xmlns:p14="http://schemas.microsoft.com/office/powerpoint/2010/main" spd="slow" p14:dur="2000">
         <p159:morph option="byObject"/>
       </p:transition>
     </mc:Choice>
-    <mc:Fallback>
+    <mc:Fallback xmlns="">
       <p:transition spd="slow">
         <p:fade/>
       </p:transition>
@@ -10279,13 +10282,13 @@
   <p:clrMapOvr>
     <a:masterClrMapping/>
   </p:clrMapOvr>
-  <mc:AlternateContent xmlns:mc="http://schemas.openxmlformats.org/markup-compatibility/2006">
-    <mc:Choice xmlns:p159="http://schemas.microsoft.com/office/powerpoint/2015/09/main" Requires="p159">
+  <mc:AlternateContent xmlns:mc="http://schemas.openxmlformats.org/markup-compatibility/2006" xmlns:p159="http://schemas.microsoft.com/office/powerpoint/2015/09/main">
+    <mc:Choice Requires="p159">
       <p:transition xmlns:p14="http://schemas.microsoft.com/office/powerpoint/2010/main" spd="slow" p14:dur="2000">
         <p159:morph option="byObject"/>
       </p:transition>
     </mc:Choice>
-    <mc:Fallback>
+    <mc:Fallback xmlns="">
       <p:transition spd="slow">
         <p:fade/>
       </p:transition>
@@ -10606,6 +10609,240 @@
           <a:chExt cx="0" cy="0"/>
         </a:xfrm>
       </p:grpSpPr>
+      <p:pic>
+        <p:nvPicPr>
+          <p:cNvPr id="4" name="Picture 3">
+            <a:extLst>
+              <a:ext uri="{FF2B5EF4-FFF2-40B4-BE49-F238E27FC236}">
+                <a16:creationId xmlns:a16="http://schemas.microsoft.com/office/drawing/2014/main" id="{194AACE4-A2B9-423D-A78F-E792E4BD14CE}"/>
+              </a:ext>
+            </a:extLst>
+          </p:cNvPr>
+          <p:cNvPicPr>
+            <a:picLocks noChangeAspect="1"/>
+          </p:cNvPicPr>
+          <p:nvPr/>
+        </p:nvPicPr>
+        <p:blipFill>
+          <a:blip r:embed="rId2">
+            <a:extLst>
+              <a:ext uri="{28A0092B-C50C-407E-A947-70E740481C1C}">
+                <a14:useLocalDpi xmlns:a14="http://schemas.microsoft.com/office/drawing/2010/main" val="0"/>
+              </a:ext>
+            </a:extLst>
+          </a:blip>
+          <a:stretch>
+            <a:fillRect/>
+          </a:stretch>
+        </p:blipFill>
+        <p:spPr>
+          <a:xfrm>
+            <a:off x="3086456" y="300647"/>
+            <a:ext cx="4622033" cy="6173895"/>
+          </a:xfrm>
+          <a:prstGeom prst="rect">
+            <a:avLst/>
+          </a:prstGeom>
+        </p:spPr>
+      </p:pic>
+    </p:spTree>
+    <p:extLst>
+      <p:ext uri="{BB962C8B-B14F-4D97-AF65-F5344CB8AC3E}">
+        <p14:creationId xmlns:p14="http://schemas.microsoft.com/office/powerpoint/2010/main" val="3307347400"/>
+      </p:ext>
+    </p:extLst>
+  </p:cSld>
+  <p:clrMapOvr>
+    <a:masterClrMapping/>
+  </p:clrMapOvr>
+  <mc:AlternateContent xmlns:mc="http://schemas.openxmlformats.org/markup-compatibility/2006">
+    <mc:Choice xmlns:p159="http://schemas.microsoft.com/office/powerpoint/2015/09/main" Requires="p159">
+      <p:transition xmlns:p14="http://schemas.microsoft.com/office/powerpoint/2010/main" spd="slow" p14:dur="2000">
+        <p159:morph option="byObject"/>
+      </p:transition>
+    </mc:Choice>
+    <mc:Fallback>
+      <p:transition spd="slow">
+        <p:fade/>
+      </p:transition>
+    </mc:Fallback>
+  </mc:AlternateContent>
+</p:sld>
+</file>
+
+<file path=ppt/slides/slide16.xml><?xml version="1.0" encoding="utf-8"?>
+<p:sld xmlns:a="http://schemas.openxmlformats.org/drawingml/2006/main" xmlns:r="http://schemas.openxmlformats.org/officeDocument/2006/relationships" xmlns:p="http://schemas.openxmlformats.org/presentationml/2006/main">
+  <p:cSld>
+    <p:spTree>
+      <p:nvGrpSpPr>
+        <p:cNvPr id="1" name=""/>
+        <p:cNvGrpSpPr/>
+        <p:nvPr/>
+      </p:nvGrpSpPr>
+      <p:grpSpPr>
+        <a:xfrm>
+          <a:off x="0" y="0"/>
+          <a:ext cx="0" cy="0"/>
+          <a:chOff x="0" y="0"/>
+          <a:chExt cx="0" cy="0"/>
+        </a:xfrm>
+      </p:grpSpPr>
+      <p:pic>
+        <p:nvPicPr>
+          <p:cNvPr id="4" name="Picture 3">
+            <a:extLst>
+              <a:ext uri="{FF2B5EF4-FFF2-40B4-BE49-F238E27FC236}">
+                <a16:creationId xmlns:a16="http://schemas.microsoft.com/office/drawing/2014/main" id="{194AACE4-A2B9-423D-A78F-E792E4BD14CE}"/>
+              </a:ext>
+            </a:extLst>
+          </p:cNvPr>
+          <p:cNvPicPr>
+            <a:picLocks noChangeAspect="1"/>
+          </p:cNvPicPr>
+          <p:nvPr/>
+        </p:nvPicPr>
+        <p:blipFill>
+          <a:blip r:embed="rId2">
+            <a:extLst>
+              <a:ext uri="{28A0092B-C50C-407E-A947-70E740481C1C}">
+                <a14:useLocalDpi xmlns:a14="http://schemas.microsoft.com/office/drawing/2010/main" val="0"/>
+              </a:ext>
+            </a:extLst>
+          </a:blip>
+          <a:stretch>
+            <a:fillRect/>
+          </a:stretch>
+        </p:blipFill>
+        <p:spPr>
+          <a:xfrm>
+            <a:off x="1936955" y="1103249"/>
+            <a:ext cx="8780207" cy="11728189"/>
+          </a:xfrm>
+          <a:prstGeom prst="rect">
+            <a:avLst/>
+          </a:prstGeom>
+        </p:spPr>
+      </p:pic>
+    </p:spTree>
+    <p:extLst>
+      <p:ext uri="{BB962C8B-B14F-4D97-AF65-F5344CB8AC3E}">
+        <p14:creationId xmlns:p14="http://schemas.microsoft.com/office/powerpoint/2010/main" val="1220382687"/>
+      </p:ext>
+    </p:extLst>
+  </p:cSld>
+  <p:clrMapOvr>
+    <a:masterClrMapping/>
+  </p:clrMapOvr>
+  <mc:AlternateContent xmlns:mc="http://schemas.openxmlformats.org/markup-compatibility/2006">
+    <mc:Choice xmlns:p159="http://schemas.microsoft.com/office/powerpoint/2015/09/main" Requires="p159">
+      <p:transition xmlns:p14="http://schemas.microsoft.com/office/powerpoint/2010/main" spd="slow" p14:dur="2000">
+        <p159:morph option="byObject"/>
+      </p:transition>
+    </mc:Choice>
+    <mc:Fallback>
+      <p:transition spd="slow">
+        <p:fade/>
+      </p:transition>
+    </mc:Fallback>
+  </mc:AlternateContent>
+</p:sld>
+</file>
+
+<file path=ppt/slides/slide17.xml><?xml version="1.0" encoding="utf-8"?>
+<p:sld xmlns:a="http://schemas.openxmlformats.org/drawingml/2006/main" xmlns:r="http://schemas.openxmlformats.org/officeDocument/2006/relationships" xmlns:p="http://schemas.openxmlformats.org/presentationml/2006/main">
+  <p:cSld>
+    <p:spTree>
+      <p:nvGrpSpPr>
+        <p:cNvPr id="1" name=""/>
+        <p:cNvGrpSpPr/>
+        <p:nvPr/>
+      </p:nvGrpSpPr>
+      <p:grpSpPr>
+        <a:xfrm>
+          <a:off x="0" y="0"/>
+          <a:ext cx="0" cy="0"/>
+          <a:chOff x="0" y="0"/>
+          <a:chExt cx="0" cy="0"/>
+        </a:xfrm>
+      </p:grpSpPr>
+      <p:pic>
+        <p:nvPicPr>
+          <p:cNvPr id="4" name="Picture 3">
+            <a:extLst>
+              <a:ext uri="{FF2B5EF4-FFF2-40B4-BE49-F238E27FC236}">
+                <a16:creationId xmlns:a16="http://schemas.microsoft.com/office/drawing/2014/main" id="{194AACE4-A2B9-423D-A78F-E792E4BD14CE}"/>
+              </a:ext>
+            </a:extLst>
+          </p:cNvPr>
+          <p:cNvPicPr>
+            <a:picLocks noChangeAspect="1"/>
+          </p:cNvPicPr>
+          <p:nvPr/>
+        </p:nvPicPr>
+        <p:blipFill>
+          <a:blip r:embed="rId2">
+            <a:extLst>
+              <a:ext uri="{28A0092B-C50C-407E-A947-70E740481C1C}">
+                <a14:useLocalDpi xmlns:a14="http://schemas.microsoft.com/office/drawing/2010/main" val="0"/>
+              </a:ext>
+            </a:extLst>
+          </a:blip>
+          <a:stretch>
+            <a:fillRect/>
+          </a:stretch>
+        </p:blipFill>
+        <p:spPr>
+          <a:xfrm>
+            <a:off x="1936955" y="-5864095"/>
+            <a:ext cx="8780207" cy="11728189"/>
+          </a:xfrm>
+          <a:prstGeom prst="rect">
+            <a:avLst/>
+          </a:prstGeom>
+        </p:spPr>
+      </p:pic>
+    </p:spTree>
+    <p:extLst>
+      <p:ext uri="{BB962C8B-B14F-4D97-AF65-F5344CB8AC3E}">
+        <p14:creationId xmlns:p14="http://schemas.microsoft.com/office/powerpoint/2010/main" val="1638819554"/>
+      </p:ext>
+    </p:extLst>
+  </p:cSld>
+  <p:clrMapOvr>
+    <a:masterClrMapping/>
+  </p:clrMapOvr>
+  <mc:AlternateContent xmlns:mc="http://schemas.openxmlformats.org/markup-compatibility/2006">
+    <mc:Choice xmlns:p159="http://schemas.microsoft.com/office/powerpoint/2015/09/main" Requires="p159">
+      <p:transition xmlns:p14="http://schemas.microsoft.com/office/powerpoint/2010/main" spd="slow" p14:dur="2000">
+        <p159:morph option="byObject"/>
+      </p:transition>
+    </mc:Choice>
+    <mc:Fallback>
+      <p:transition spd="slow">
+        <p:fade/>
+      </p:transition>
+    </mc:Fallback>
+  </mc:AlternateContent>
+</p:sld>
+</file>
+
+<file path=ppt/slides/slide18.xml><?xml version="1.0" encoding="utf-8"?>
+<p:sld xmlns:a="http://schemas.openxmlformats.org/drawingml/2006/main" xmlns:r="http://schemas.openxmlformats.org/officeDocument/2006/relationships" xmlns:p="http://schemas.openxmlformats.org/presentationml/2006/main">
+  <p:cSld>
+    <p:spTree>
+      <p:nvGrpSpPr>
+        <p:cNvPr id="1" name=""/>
+        <p:cNvGrpSpPr/>
+        <p:nvPr/>
+      </p:nvGrpSpPr>
+      <p:grpSpPr>
+        <a:xfrm>
+          <a:off x="0" y="0"/>
+          <a:ext cx="0" cy="0"/>
+          <a:chOff x="0" y="0"/>
+          <a:chExt cx="0" cy="0"/>
+        </a:xfrm>
+      </p:grpSpPr>
       <p:grpSp>
         <p:nvGrpSpPr>
           <p:cNvPr id="2" name="Group 1">
@@ -10858,13 +11095,13 @@
   <p:clrMapOvr>
     <a:masterClrMapping/>
   </p:clrMapOvr>
-  <mc:AlternateContent xmlns:mc="http://schemas.openxmlformats.org/markup-compatibility/2006">
-    <mc:Choice xmlns:p159="http://schemas.microsoft.com/office/powerpoint/2015/09/main" Requires="p159">
+  <mc:AlternateContent xmlns:mc="http://schemas.openxmlformats.org/markup-compatibility/2006" xmlns:p159="http://schemas.microsoft.com/office/powerpoint/2015/09/main">
+    <mc:Choice Requires="p159">
       <p:transition xmlns:p14="http://schemas.microsoft.com/office/powerpoint/2010/main" spd="slow" p14:dur="2000">
         <p159:morph option="byObject"/>
       </p:transition>
     </mc:Choice>
-    <mc:Fallback>
+    <mc:Fallback xmlns="">
       <p:transition spd="slow">
         <p:fade/>
       </p:transition>
@@ -15538,13 +15775,13 @@
   <p:clrMapOvr>
     <a:masterClrMapping/>
   </p:clrMapOvr>
-  <mc:AlternateContent xmlns:mc="http://schemas.openxmlformats.org/markup-compatibility/2006">
-    <mc:Choice xmlns:p159="http://schemas.microsoft.com/office/powerpoint/2015/09/main" Requires="p159">
+  <mc:AlternateContent xmlns:mc="http://schemas.openxmlformats.org/markup-compatibility/2006" xmlns:p159="http://schemas.microsoft.com/office/powerpoint/2015/09/main">
+    <mc:Choice Requires="p159">
       <p:transition xmlns:p14="http://schemas.microsoft.com/office/powerpoint/2010/main" spd="slow" p14:dur="4000">
         <p159:morph option="byObject"/>
       </p:transition>
     </mc:Choice>
-    <mc:Fallback>
+    <mc:Fallback xmlns="">
       <p:transition spd="slow">
         <p:fade/>
       </p:transition>
@@ -16279,13 +16516,13 @@
   <p:clrMapOvr>
     <a:masterClrMapping/>
   </p:clrMapOvr>
-  <mc:AlternateContent xmlns:mc="http://schemas.openxmlformats.org/markup-compatibility/2006">
-    <mc:Choice xmlns:p159="http://schemas.microsoft.com/office/powerpoint/2015/09/main" Requires="p159">
+  <mc:AlternateContent xmlns:mc="http://schemas.openxmlformats.org/markup-compatibility/2006" xmlns:p159="http://schemas.microsoft.com/office/powerpoint/2015/09/main">
+    <mc:Choice Requires="p159">
       <p:transition xmlns:p14="http://schemas.microsoft.com/office/powerpoint/2010/main" spd="slow" p14:dur="4000">
         <p159:morph option="byObject"/>
       </p:transition>
     </mc:Choice>
-    <mc:Fallback>
+    <mc:Fallback xmlns="">
       <p:transition spd="slow">
         <p:fade/>
       </p:transition>
@@ -16785,13 +17022,13 @@
   <p:clrMapOvr>
     <a:masterClrMapping/>
   </p:clrMapOvr>
-  <mc:AlternateContent xmlns:mc="http://schemas.openxmlformats.org/markup-compatibility/2006">
-    <mc:Choice xmlns:p159="http://schemas.microsoft.com/office/powerpoint/2015/09/main" Requires="p159">
+  <mc:AlternateContent xmlns:mc="http://schemas.openxmlformats.org/markup-compatibility/2006" xmlns:p159="http://schemas.microsoft.com/office/powerpoint/2015/09/main">
+    <mc:Choice Requires="p159">
       <p:transition xmlns:p14="http://schemas.microsoft.com/office/powerpoint/2010/main" spd="slow" p14:dur="4000">
         <p159:morph option="byObject"/>
       </p:transition>
     </mc:Choice>
-    <mc:Fallback>
+    <mc:Fallback xmlns="">
       <p:transition spd="slow">
         <p:fade/>
       </p:transition>
@@ -17154,13 +17391,13 @@
   <p:clrMapOvr>
     <a:masterClrMapping/>
   </p:clrMapOvr>
-  <mc:AlternateContent xmlns:mc="http://schemas.openxmlformats.org/markup-compatibility/2006">
-    <mc:Choice xmlns:p159="http://schemas.microsoft.com/office/powerpoint/2015/09/main" Requires="p159">
+  <mc:AlternateContent xmlns:mc="http://schemas.openxmlformats.org/markup-compatibility/2006" xmlns:p159="http://schemas.microsoft.com/office/powerpoint/2015/09/main">
+    <mc:Choice Requires="p159">
       <p:transition xmlns:p14="http://schemas.microsoft.com/office/powerpoint/2010/main" spd="slow" p14:dur="4000">
         <p159:morph option="byObject"/>
       </p:transition>
     </mc:Choice>
-    <mc:Fallback>
+    <mc:Fallback xmlns="">
       <p:transition spd="slow">
         <p:fade/>
       </p:transition>

--- a/assets/presentasi/presentasi.pptx
+++ b/assets/presentasi/presentasi.pptx
@@ -5,7 +5,7 @@
     <p:sldMasterId id="2147483648" r:id="rId1"/>
   </p:sldMasterIdLst>
   <p:notesMasterIdLst>
-    <p:notesMasterId r:id="rId20"/>
+    <p:notesMasterId r:id="rId27"/>
   </p:notesMasterIdLst>
   <p:sldIdLst>
     <p:sldId id="257" r:id="rId2"/>
@@ -26,6 +26,13 @@
     <p:sldId id="275" r:id="rId17"/>
     <p:sldId id="276" r:id="rId18"/>
     <p:sldId id="273" r:id="rId19"/>
+    <p:sldId id="277" r:id="rId20"/>
+    <p:sldId id="282" r:id="rId21"/>
+    <p:sldId id="283" r:id="rId22"/>
+    <p:sldId id="281" r:id="rId23"/>
+    <p:sldId id="278" r:id="rId24"/>
+    <p:sldId id="279" r:id="rId25"/>
+    <p:sldId id="280" r:id="rId26"/>
   </p:sldIdLst>
   <p:sldSz cx="12192000" cy="6858000"/>
   <p:notesSz cx="6858000" cy="9144000"/>
@@ -214,7 +221,7 @@
           <a:p>
             <a:fld id="{7FE68145-581C-48FF-871F-1195D7A0F615}" type="datetimeFigureOut">
               <a:rPr lang="en-US" smtClean="0"/>
-              <a:t>12/29/2023</a:t>
+              <a:t>1/2/2024</a:t>
             </a:fld>
             <a:endParaRPr lang="en-US"/>
           </a:p>
@@ -1216,7 +1223,7 @@
           <a:p>
             <a:fld id="{990F9174-9EAB-4AF2-B0B4-56EA8A44E931}" type="datetimeFigureOut">
               <a:rPr lang="en-US" smtClean="0"/>
-              <a:t>12/29/2023</a:t>
+              <a:t>1/2/2024</a:t>
             </a:fld>
             <a:endParaRPr lang="en-US"/>
           </a:p>
@@ -1414,7 +1421,7 @@
           <a:p>
             <a:fld id="{990F9174-9EAB-4AF2-B0B4-56EA8A44E931}" type="datetimeFigureOut">
               <a:rPr lang="en-US" smtClean="0"/>
-              <a:t>12/29/2023</a:t>
+              <a:t>1/2/2024</a:t>
             </a:fld>
             <a:endParaRPr lang="en-US"/>
           </a:p>
@@ -1622,7 +1629,7 @@
           <a:p>
             <a:fld id="{990F9174-9EAB-4AF2-B0B4-56EA8A44E931}" type="datetimeFigureOut">
               <a:rPr lang="en-US" smtClean="0"/>
-              <a:t>12/29/2023</a:t>
+              <a:t>1/2/2024</a:t>
             </a:fld>
             <a:endParaRPr lang="en-US"/>
           </a:p>
@@ -1820,7 +1827,7 @@
           <a:p>
             <a:fld id="{990F9174-9EAB-4AF2-B0B4-56EA8A44E931}" type="datetimeFigureOut">
               <a:rPr lang="en-US" smtClean="0"/>
-              <a:t>12/29/2023</a:t>
+              <a:t>1/2/2024</a:t>
             </a:fld>
             <a:endParaRPr lang="en-US"/>
           </a:p>
@@ -2095,7 +2102,7 @@
           <a:p>
             <a:fld id="{990F9174-9EAB-4AF2-B0B4-56EA8A44E931}" type="datetimeFigureOut">
               <a:rPr lang="en-US" smtClean="0"/>
-              <a:t>12/29/2023</a:t>
+              <a:t>1/2/2024</a:t>
             </a:fld>
             <a:endParaRPr lang="en-US"/>
           </a:p>
@@ -2360,7 +2367,7 @@
           <a:p>
             <a:fld id="{990F9174-9EAB-4AF2-B0B4-56EA8A44E931}" type="datetimeFigureOut">
               <a:rPr lang="en-US" smtClean="0"/>
-              <a:t>12/29/2023</a:t>
+              <a:t>1/2/2024</a:t>
             </a:fld>
             <a:endParaRPr lang="en-US"/>
           </a:p>
@@ -2772,7 +2779,7 @@
           <a:p>
             <a:fld id="{990F9174-9EAB-4AF2-B0B4-56EA8A44E931}" type="datetimeFigureOut">
               <a:rPr lang="en-US" smtClean="0"/>
-              <a:t>12/29/2023</a:t>
+              <a:t>1/2/2024</a:t>
             </a:fld>
             <a:endParaRPr lang="en-US"/>
           </a:p>
@@ -2913,7 +2920,7 @@
           <a:p>
             <a:fld id="{990F9174-9EAB-4AF2-B0B4-56EA8A44E931}" type="datetimeFigureOut">
               <a:rPr lang="en-US" smtClean="0"/>
-              <a:t>12/29/2023</a:t>
+              <a:t>1/2/2024</a:t>
             </a:fld>
             <a:endParaRPr lang="en-US"/>
           </a:p>
@@ -3026,7 +3033,7 @@
           <a:p>
             <a:fld id="{990F9174-9EAB-4AF2-B0B4-56EA8A44E931}" type="datetimeFigureOut">
               <a:rPr lang="en-US" smtClean="0"/>
-              <a:t>12/29/2023</a:t>
+              <a:t>1/2/2024</a:t>
             </a:fld>
             <a:endParaRPr lang="en-US"/>
           </a:p>
@@ -3337,7 +3344,7 @@
           <a:p>
             <a:fld id="{990F9174-9EAB-4AF2-B0B4-56EA8A44E931}" type="datetimeFigureOut">
               <a:rPr lang="en-US" smtClean="0"/>
-              <a:t>12/29/2023</a:t>
+              <a:t>1/2/2024</a:t>
             </a:fld>
             <a:endParaRPr lang="en-US"/>
           </a:p>
@@ -3625,7 +3632,7 @@
           <a:p>
             <a:fld id="{990F9174-9EAB-4AF2-B0B4-56EA8A44E931}" type="datetimeFigureOut">
               <a:rPr lang="en-US" smtClean="0"/>
-              <a:t>12/29/2023</a:t>
+              <a:t>1/2/2024</a:t>
             </a:fld>
             <a:endParaRPr lang="en-US"/>
           </a:p>
@@ -3866,7 +3873,7 @@
           <a:p>
             <a:fld id="{990F9174-9EAB-4AF2-B0B4-56EA8A44E931}" type="datetimeFigureOut">
               <a:rPr lang="en-US" smtClean="0"/>
-              <a:t>12/29/2023</a:t>
+              <a:t>1/2/2024</a:t>
             </a:fld>
             <a:endParaRPr lang="en-US"/>
           </a:p>
@@ -10655,13 +10662,13 @@
   <p:clrMapOvr>
     <a:masterClrMapping/>
   </p:clrMapOvr>
-  <mc:AlternateContent xmlns:mc="http://schemas.openxmlformats.org/markup-compatibility/2006">
-    <mc:Choice xmlns:p159="http://schemas.microsoft.com/office/powerpoint/2015/09/main" Requires="p159">
+  <mc:AlternateContent xmlns:mc="http://schemas.openxmlformats.org/markup-compatibility/2006" xmlns:p159="http://schemas.microsoft.com/office/powerpoint/2015/09/main">
+    <mc:Choice Requires="p159">
       <p:transition xmlns:p14="http://schemas.microsoft.com/office/powerpoint/2010/main" spd="slow" p14:dur="2000">
         <p159:morph option="byObject"/>
       </p:transition>
     </mc:Choice>
-    <mc:Fallback>
+    <mc:Fallback xmlns="">
       <p:transition spd="slow">
         <p:fade/>
       </p:transition>
@@ -10733,13 +10740,13 @@
   <p:clrMapOvr>
     <a:masterClrMapping/>
   </p:clrMapOvr>
-  <mc:AlternateContent xmlns:mc="http://schemas.openxmlformats.org/markup-compatibility/2006">
-    <mc:Choice xmlns:p159="http://schemas.microsoft.com/office/powerpoint/2015/09/main" Requires="p159">
+  <mc:AlternateContent xmlns:mc="http://schemas.openxmlformats.org/markup-compatibility/2006" xmlns:p159="http://schemas.microsoft.com/office/powerpoint/2015/09/main">
+    <mc:Choice Requires="p159">
       <p:transition xmlns:p14="http://schemas.microsoft.com/office/powerpoint/2010/main" spd="slow" p14:dur="2000">
         <p159:morph option="byObject"/>
       </p:transition>
     </mc:Choice>
-    <mc:Fallback>
+    <mc:Fallback xmlns="">
       <p:transition spd="slow">
         <p:fade/>
       </p:transition>
@@ -10811,13 +10818,13 @@
   <p:clrMapOvr>
     <a:masterClrMapping/>
   </p:clrMapOvr>
-  <mc:AlternateContent xmlns:mc="http://schemas.openxmlformats.org/markup-compatibility/2006">
-    <mc:Choice xmlns:p159="http://schemas.microsoft.com/office/powerpoint/2015/09/main" Requires="p159">
+  <mc:AlternateContent xmlns:mc="http://schemas.openxmlformats.org/markup-compatibility/2006" xmlns:p159="http://schemas.microsoft.com/office/powerpoint/2015/09/main">
+    <mc:Choice Requires="p159">
       <p:transition xmlns:p14="http://schemas.microsoft.com/office/powerpoint/2010/main" spd="slow" p14:dur="2000">
         <p159:morph option="byObject"/>
       </p:transition>
     </mc:Choice>
-    <mc:Fallback>
+    <mc:Fallback xmlns="">
       <p:transition spd="slow">
         <p:fade/>
       </p:transition>
@@ -11089,6 +11096,84 @@
     <p:extLst>
       <p:ext uri="{BB962C8B-B14F-4D97-AF65-F5344CB8AC3E}">
         <p14:creationId xmlns:p14="http://schemas.microsoft.com/office/powerpoint/2010/main" val="2503692184"/>
+      </p:ext>
+    </p:extLst>
+  </p:cSld>
+  <p:clrMapOvr>
+    <a:masterClrMapping/>
+  </p:clrMapOvr>
+  <mc:AlternateContent xmlns:mc="http://schemas.openxmlformats.org/markup-compatibility/2006" xmlns:p159="http://schemas.microsoft.com/office/powerpoint/2015/09/main">
+    <mc:Choice Requires="p159">
+      <p:transition xmlns:p14="http://schemas.microsoft.com/office/powerpoint/2010/main" spd="slow" p14:dur="2000">
+        <p159:morph option="byObject"/>
+      </p:transition>
+    </mc:Choice>
+    <mc:Fallback xmlns="">
+      <p:transition spd="slow">
+        <p:fade/>
+      </p:transition>
+    </mc:Fallback>
+  </mc:AlternateContent>
+</p:sld>
+</file>
+
+<file path=ppt/slides/slide19.xml><?xml version="1.0" encoding="utf-8"?>
+<p:sld xmlns:a="http://schemas.openxmlformats.org/drawingml/2006/main" xmlns:r="http://schemas.openxmlformats.org/officeDocument/2006/relationships" xmlns:p="http://schemas.openxmlformats.org/presentationml/2006/main">
+  <p:cSld>
+    <p:spTree>
+      <p:nvGrpSpPr>
+        <p:cNvPr id="1" name=""/>
+        <p:cNvGrpSpPr/>
+        <p:nvPr/>
+      </p:nvGrpSpPr>
+      <p:grpSpPr>
+        <a:xfrm>
+          <a:off x="0" y="0"/>
+          <a:ext cx="0" cy="0"/>
+          <a:chOff x="0" y="0"/>
+          <a:chExt cx="0" cy="0"/>
+        </a:xfrm>
+      </p:grpSpPr>
+      <p:pic>
+        <p:nvPicPr>
+          <p:cNvPr id="7" name="Picture 6">
+            <a:extLst>
+              <a:ext uri="{FF2B5EF4-FFF2-40B4-BE49-F238E27FC236}">
+                <a16:creationId xmlns:a16="http://schemas.microsoft.com/office/drawing/2014/main" id="{2C579D95-F457-4410-B29E-7F6B654DC990}"/>
+              </a:ext>
+            </a:extLst>
+          </p:cNvPr>
+          <p:cNvPicPr>
+            <a:picLocks noChangeAspect="1"/>
+          </p:cNvPicPr>
+          <p:nvPr/>
+        </p:nvPicPr>
+        <p:blipFill>
+          <a:blip r:embed="rId2">
+            <a:extLst>
+              <a:ext uri="{28A0092B-C50C-407E-A947-70E740481C1C}">
+                <a14:useLocalDpi xmlns:a14="http://schemas.microsoft.com/office/drawing/2010/main" val="0"/>
+              </a:ext>
+            </a:extLst>
+          </a:blip>
+          <a:stretch>
+            <a:fillRect/>
+          </a:stretch>
+        </p:blipFill>
+        <p:spPr>
+          <a:xfrm>
+            <a:off x="2661217" y="685732"/>
+            <a:ext cx="6424726" cy="5486536"/>
+          </a:xfrm>
+          <a:prstGeom prst="rect">
+            <a:avLst/>
+          </a:prstGeom>
+        </p:spPr>
+      </p:pic>
+    </p:spTree>
+    <p:extLst>
+      <p:ext uri="{BB962C8B-B14F-4D97-AF65-F5344CB8AC3E}">
+        <p14:creationId xmlns:p14="http://schemas.microsoft.com/office/powerpoint/2010/main" val="3510582058"/>
       </p:ext>
     </p:extLst>
   </p:cSld>
@@ -13347,6 +13432,690 @@
     <p:extLst>
       <p:ext uri="{BB962C8B-B14F-4D97-AF65-F5344CB8AC3E}">
         <p14:creationId xmlns:p14="http://schemas.microsoft.com/office/powerpoint/2010/main" val="458052542"/>
+      </p:ext>
+    </p:extLst>
+  </p:cSld>
+  <p:clrMapOvr>
+    <a:masterClrMapping/>
+  </p:clrMapOvr>
+  <mc:AlternateContent xmlns:mc="http://schemas.openxmlformats.org/markup-compatibility/2006" xmlns:p159="http://schemas.microsoft.com/office/powerpoint/2015/09/main">
+    <mc:Choice Requires="p159">
+      <p:transition xmlns:p14="http://schemas.microsoft.com/office/powerpoint/2010/main" spd="slow" p14:dur="2000">
+        <p159:morph option="byObject"/>
+      </p:transition>
+    </mc:Choice>
+    <mc:Fallback xmlns="">
+      <p:transition spd="slow">
+        <p:fade/>
+      </p:transition>
+    </mc:Fallback>
+  </mc:AlternateContent>
+</p:sld>
+</file>
+
+<file path=ppt/slides/slide20.xml><?xml version="1.0" encoding="utf-8"?>
+<p:sld xmlns:a="http://schemas.openxmlformats.org/drawingml/2006/main" xmlns:r="http://schemas.openxmlformats.org/officeDocument/2006/relationships" xmlns:p="http://schemas.openxmlformats.org/presentationml/2006/main">
+  <p:cSld>
+    <p:spTree>
+      <p:nvGrpSpPr>
+        <p:cNvPr id="1" name=""/>
+        <p:cNvGrpSpPr/>
+        <p:nvPr/>
+      </p:nvGrpSpPr>
+      <p:grpSpPr>
+        <a:xfrm>
+          <a:off x="0" y="0"/>
+          <a:ext cx="0" cy="0"/>
+          <a:chOff x="0" y="0"/>
+          <a:chExt cx="0" cy="0"/>
+        </a:xfrm>
+      </p:grpSpPr>
+      <p:pic>
+        <p:nvPicPr>
+          <p:cNvPr id="7" name="Picture 6">
+            <a:extLst>
+              <a:ext uri="{FF2B5EF4-FFF2-40B4-BE49-F238E27FC236}">
+                <a16:creationId xmlns:a16="http://schemas.microsoft.com/office/drawing/2014/main" id="{2C579D95-F457-4410-B29E-7F6B654DC990}"/>
+              </a:ext>
+            </a:extLst>
+          </p:cNvPr>
+          <p:cNvPicPr>
+            <a:picLocks noChangeAspect="1"/>
+          </p:cNvPicPr>
+          <p:nvPr/>
+        </p:nvPicPr>
+        <p:blipFill>
+          <a:blip r:embed="rId2">
+            <a:extLst>
+              <a:ext uri="{28A0092B-C50C-407E-A947-70E740481C1C}">
+                <a14:useLocalDpi xmlns:a14="http://schemas.microsoft.com/office/drawing/2010/main" val="0"/>
+              </a:ext>
+            </a:extLst>
+          </a:blip>
+          <a:stretch>
+            <a:fillRect/>
+          </a:stretch>
+        </p:blipFill>
+        <p:spPr>
+          <a:xfrm>
+            <a:off x="1024716" y="772818"/>
+            <a:ext cx="10142567" cy="8661468"/>
+          </a:xfrm>
+          <a:prstGeom prst="rect">
+            <a:avLst/>
+          </a:prstGeom>
+        </p:spPr>
+      </p:pic>
+    </p:spTree>
+    <p:extLst>
+      <p:ext uri="{BB962C8B-B14F-4D97-AF65-F5344CB8AC3E}">
+        <p14:creationId xmlns:p14="http://schemas.microsoft.com/office/powerpoint/2010/main" val="2043904466"/>
+      </p:ext>
+    </p:extLst>
+  </p:cSld>
+  <p:clrMapOvr>
+    <a:masterClrMapping/>
+  </p:clrMapOvr>
+  <mc:AlternateContent xmlns:mc="http://schemas.openxmlformats.org/markup-compatibility/2006" xmlns:p159="http://schemas.microsoft.com/office/powerpoint/2015/09/main">
+    <mc:Choice Requires="p159">
+      <p:transition xmlns:p14="http://schemas.microsoft.com/office/powerpoint/2010/main" spd="slow" p14:dur="2000">
+        <p159:morph option="byObject"/>
+      </p:transition>
+    </mc:Choice>
+    <mc:Fallback xmlns="">
+      <p:transition spd="slow">
+        <p:fade/>
+      </p:transition>
+    </mc:Fallback>
+  </mc:AlternateContent>
+</p:sld>
+</file>
+
+<file path=ppt/slides/slide21.xml><?xml version="1.0" encoding="utf-8"?>
+<p:sld xmlns:a="http://schemas.openxmlformats.org/drawingml/2006/main" xmlns:r="http://schemas.openxmlformats.org/officeDocument/2006/relationships" xmlns:p="http://schemas.openxmlformats.org/presentationml/2006/main">
+  <p:cSld>
+    <p:spTree>
+      <p:nvGrpSpPr>
+        <p:cNvPr id="1" name=""/>
+        <p:cNvGrpSpPr/>
+        <p:nvPr/>
+      </p:nvGrpSpPr>
+      <p:grpSpPr>
+        <a:xfrm>
+          <a:off x="0" y="0"/>
+          <a:ext cx="0" cy="0"/>
+          <a:chOff x="0" y="0"/>
+          <a:chExt cx="0" cy="0"/>
+        </a:xfrm>
+      </p:grpSpPr>
+      <p:pic>
+        <p:nvPicPr>
+          <p:cNvPr id="7" name="Picture 6">
+            <a:extLst>
+              <a:ext uri="{FF2B5EF4-FFF2-40B4-BE49-F238E27FC236}">
+                <a16:creationId xmlns:a16="http://schemas.microsoft.com/office/drawing/2014/main" id="{2C579D95-F457-4410-B29E-7F6B654DC990}"/>
+              </a:ext>
+            </a:extLst>
+          </p:cNvPr>
+          <p:cNvPicPr>
+            <a:picLocks noChangeAspect="1"/>
+          </p:cNvPicPr>
+          <p:nvPr/>
+        </p:nvPicPr>
+        <p:blipFill>
+          <a:blip r:embed="rId2">
+            <a:extLst>
+              <a:ext uri="{28A0092B-C50C-407E-A947-70E740481C1C}">
+                <a14:useLocalDpi xmlns:a14="http://schemas.microsoft.com/office/drawing/2010/main" val="0"/>
+              </a:ext>
+            </a:extLst>
+          </a:blip>
+          <a:stretch>
+            <a:fillRect/>
+          </a:stretch>
+        </p:blipFill>
+        <p:spPr>
+          <a:xfrm>
+            <a:off x="1024716" y="-3494382"/>
+            <a:ext cx="10142567" cy="8661468"/>
+          </a:xfrm>
+          <a:prstGeom prst="rect">
+            <a:avLst/>
+          </a:prstGeom>
+        </p:spPr>
+      </p:pic>
+    </p:spTree>
+    <p:extLst>
+      <p:ext uri="{BB962C8B-B14F-4D97-AF65-F5344CB8AC3E}">
+        <p14:creationId xmlns:p14="http://schemas.microsoft.com/office/powerpoint/2010/main" val="1426130219"/>
+      </p:ext>
+    </p:extLst>
+  </p:cSld>
+  <p:clrMapOvr>
+    <a:masterClrMapping/>
+  </p:clrMapOvr>
+  <mc:AlternateContent xmlns:mc="http://schemas.openxmlformats.org/markup-compatibility/2006" xmlns:p159="http://schemas.microsoft.com/office/powerpoint/2015/09/main">
+    <mc:Choice Requires="p159">
+      <p:transition xmlns:p14="http://schemas.microsoft.com/office/powerpoint/2010/main" spd="slow" p14:dur="2000">
+        <p159:morph option="byObject"/>
+      </p:transition>
+    </mc:Choice>
+    <mc:Fallback xmlns="">
+      <p:transition spd="slow">
+        <p:fade/>
+      </p:transition>
+    </mc:Fallback>
+  </mc:AlternateContent>
+</p:sld>
+</file>
+
+<file path=ppt/slides/slide22.xml><?xml version="1.0" encoding="utf-8"?>
+<p:sld xmlns:a="http://schemas.openxmlformats.org/drawingml/2006/main" xmlns:r="http://schemas.openxmlformats.org/officeDocument/2006/relationships" xmlns:p="http://schemas.openxmlformats.org/presentationml/2006/main">
+  <p:cSld>
+    <p:spTree>
+      <p:nvGrpSpPr>
+        <p:cNvPr id="1" name=""/>
+        <p:cNvGrpSpPr/>
+        <p:nvPr/>
+      </p:nvGrpSpPr>
+      <p:grpSpPr>
+        <a:xfrm>
+          <a:off x="0" y="0"/>
+          <a:ext cx="0" cy="0"/>
+          <a:chOff x="0" y="0"/>
+          <a:chExt cx="0" cy="0"/>
+        </a:xfrm>
+      </p:grpSpPr>
+      <p:pic>
+        <p:nvPicPr>
+          <p:cNvPr id="3" name="Picture 2">
+            <a:extLst>
+              <a:ext uri="{FF2B5EF4-FFF2-40B4-BE49-F238E27FC236}">
+                <a16:creationId xmlns:a16="http://schemas.microsoft.com/office/drawing/2014/main" id="{44F2C28B-7B1A-492D-B9DD-E3A1460ACE23}"/>
+              </a:ext>
+            </a:extLst>
+          </p:cNvPr>
+          <p:cNvPicPr>
+            <a:picLocks noChangeAspect="1"/>
+          </p:cNvPicPr>
+          <p:nvPr/>
+        </p:nvPicPr>
+        <p:blipFill>
+          <a:blip r:embed="rId2">
+            <a:extLst>
+              <a:ext uri="{28A0092B-C50C-407E-A947-70E740481C1C}">
+                <a14:useLocalDpi xmlns:a14="http://schemas.microsoft.com/office/drawing/2010/main" val="0"/>
+              </a:ext>
+            </a:extLst>
+          </a:blip>
+          <a:stretch>
+            <a:fillRect/>
+          </a:stretch>
+        </p:blipFill>
+        <p:spPr>
+          <a:xfrm>
+            <a:off x="3145359" y="931606"/>
+            <a:ext cx="5901282" cy="4994787"/>
+          </a:xfrm>
+          <a:prstGeom prst="rect">
+            <a:avLst/>
+          </a:prstGeom>
+        </p:spPr>
+      </p:pic>
+    </p:spTree>
+    <p:extLst>
+      <p:ext uri="{BB962C8B-B14F-4D97-AF65-F5344CB8AC3E}">
+        <p14:creationId xmlns:p14="http://schemas.microsoft.com/office/powerpoint/2010/main" val="3746873540"/>
+      </p:ext>
+    </p:extLst>
+  </p:cSld>
+  <p:clrMapOvr>
+    <a:masterClrMapping/>
+  </p:clrMapOvr>
+  <mc:AlternateContent xmlns:mc="http://schemas.openxmlformats.org/markup-compatibility/2006">
+    <mc:Choice xmlns:p159="http://schemas.microsoft.com/office/powerpoint/2015/09/main" Requires="p159">
+      <p:transition xmlns:p14="http://schemas.microsoft.com/office/powerpoint/2010/main" spd="slow" p14:dur="2000">
+        <p159:morph option="byObject"/>
+      </p:transition>
+    </mc:Choice>
+    <mc:Fallback>
+      <p:transition spd="slow">
+        <p:fade/>
+      </p:transition>
+    </mc:Fallback>
+  </mc:AlternateContent>
+</p:sld>
+</file>
+
+<file path=ppt/slides/slide23.xml><?xml version="1.0" encoding="utf-8"?>
+<p:sld xmlns:a="http://schemas.openxmlformats.org/drawingml/2006/main" xmlns:r="http://schemas.openxmlformats.org/officeDocument/2006/relationships" xmlns:p="http://schemas.openxmlformats.org/presentationml/2006/main">
+  <p:cSld>
+    <p:spTree>
+      <p:nvGrpSpPr>
+        <p:cNvPr id="1" name=""/>
+        <p:cNvGrpSpPr/>
+        <p:nvPr/>
+      </p:nvGrpSpPr>
+      <p:grpSpPr>
+        <a:xfrm>
+          <a:off x="0" y="0"/>
+          <a:ext cx="0" cy="0"/>
+          <a:chOff x="0" y="0"/>
+          <a:chExt cx="0" cy="0"/>
+        </a:xfrm>
+      </p:grpSpPr>
+      <p:pic>
+        <p:nvPicPr>
+          <p:cNvPr id="3" name="Picture 2">
+            <a:extLst>
+              <a:ext uri="{FF2B5EF4-FFF2-40B4-BE49-F238E27FC236}">
+                <a16:creationId xmlns:a16="http://schemas.microsoft.com/office/drawing/2014/main" id="{44F2C28B-7B1A-492D-B9DD-E3A1460ACE23}"/>
+              </a:ext>
+            </a:extLst>
+          </p:cNvPr>
+          <p:cNvPicPr>
+            <a:picLocks noChangeAspect="1"/>
+          </p:cNvPicPr>
+          <p:nvPr/>
+        </p:nvPicPr>
+        <p:blipFill>
+          <a:blip r:embed="rId2">
+            <a:extLst>
+              <a:ext uri="{28A0092B-C50C-407E-A947-70E740481C1C}">
+                <a14:useLocalDpi xmlns:a14="http://schemas.microsoft.com/office/drawing/2010/main" val="0"/>
+              </a:ext>
+            </a:extLst>
+          </a:blip>
+          <a:stretch>
+            <a:fillRect/>
+          </a:stretch>
+        </p:blipFill>
+        <p:spPr>
+          <a:xfrm>
+            <a:off x="1493540" y="383459"/>
+            <a:ext cx="9702284" cy="8211918"/>
+          </a:xfrm>
+          <a:prstGeom prst="rect">
+            <a:avLst/>
+          </a:prstGeom>
+        </p:spPr>
+      </p:pic>
+    </p:spTree>
+    <p:extLst>
+      <p:ext uri="{BB962C8B-B14F-4D97-AF65-F5344CB8AC3E}">
+        <p14:creationId xmlns:p14="http://schemas.microsoft.com/office/powerpoint/2010/main" val="4109774752"/>
+      </p:ext>
+    </p:extLst>
+  </p:cSld>
+  <p:clrMapOvr>
+    <a:masterClrMapping/>
+  </p:clrMapOvr>
+  <mc:AlternateContent xmlns:mc="http://schemas.openxmlformats.org/markup-compatibility/2006" xmlns:p159="http://schemas.microsoft.com/office/powerpoint/2015/09/main">
+    <mc:Choice Requires="p159">
+      <p:transition xmlns:p14="http://schemas.microsoft.com/office/powerpoint/2010/main" spd="slow" p14:dur="2000">
+        <p159:morph option="byObject"/>
+      </p:transition>
+    </mc:Choice>
+    <mc:Fallback xmlns="">
+      <p:transition spd="slow">
+        <p:fade/>
+      </p:transition>
+    </mc:Fallback>
+  </mc:AlternateContent>
+</p:sld>
+</file>
+
+<file path=ppt/slides/slide24.xml><?xml version="1.0" encoding="utf-8"?>
+<p:sld xmlns:a="http://schemas.openxmlformats.org/drawingml/2006/main" xmlns:r="http://schemas.openxmlformats.org/officeDocument/2006/relationships" xmlns:p="http://schemas.openxmlformats.org/presentationml/2006/main">
+  <p:cSld>
+    <p:spTree>
+      <p:nvGrpSpPr>
+        <p:cNvPr id="1" name=""/>
+        <p:cNvGrpSpPr/>
+        <p:nvPr/>
+      </p:nvGrpSpPr>
+      <p:grpSpPr>
+        <a:xfrm>
+          <a:off x="0" y="0"/>
+          <a:ext cx="0" cy="0"/>
+          <a:chOff x="0" y="0"/>
+          <a:chExt cx="0" cy="0"/>
+        </a:xfrm>
+      </p:grpSpPr>
+      <p:pic>
+        <p:nvPicPr>
+          <p:cNvPr id="3" name="Picture 2">
+            <a:extLst>
+              <a:ext uri="{FF2B5EF4-FFF2-40B4-BE49-F238E27FC236}">
+                <a16:creationId xmlns:a16="http://schemas.microsoft.com/office/drawing/2014/main" id="{44F2C28B-7B1A-492D-B9DD-E3A1460ACE23}"/>
+              </a:ext>
+            </a:extLst>
+          </p:cNvPr>
+          <p:cNvPicPr>
+            <a:picLocks noChangeAspect="1"/>
+          </p:cNvPicPr>
+          <p:nvPr/>
+        </p:nvPicPr>
+        <p:blipFill>
+          <a:blip r:embed="rId2">
+            <a:extLst>
+              <a:ext uri="{28A0092B-C50C-407E-A947-70E740481C1C}">
+                <a14:useLocalDpi xmlns:a14="http://schemas.microsoft.com/office/drawing/2010/main" val="0"/>
+              </a:ext>
+            </a:extLst>
+          </a:blip>
+          <a:stretch>
+            <a:fillRect/>
+          </a:stretch>
+        </p:blipFill>
+        <p:spPr>
+          <a:xfrm>
+            <a:off x="1493540" y="-3628102"/>
+            <a:ext cx="9702284" cy="8211918"/>
+          </a:xfrm>
+          <a:prstGeom prst="rect">
+            <a:avLst/>
+          </a:prstGeom>
+        </p:spPr>
+      </p:pic>
+    </p:spTree>
+    <p:extLst>
+      <p:ext uri="{BB962C8B-B14F-4D97-AF65-F5344CB8AC3E}">
+        <p14:creationId xmlns:p14="http://schemas.microsoft.com/office/powerpoint/2010/main" val="3375554644"/>
+      </p:ext>
+    </p:extLst>
+  </p:cSld>
+  <p:clrMapOvr>
+    <a:masterClrMapping/>
+  </p:clrMapOvr>
+  <mc:AlternateContent xmlns:mc="http://schemas.openxmlformats.org/markup-compatibility/2006" xmlns:p159="http://schemas.microsoft.com/office/powerpoint/2015/09/main">
+    <mc:Choice Requires="p159">
+      <p:transition xmlns:p14="http://schemas.microsoft.com/office/powerpoint/2010/main" spd="slow" p14:dur="2000">
+        <p159:morph option="byObject"/>
+      </p:transition>
+    </mc:Choice>
+    <mc:Fallback xmlns="">
+      <p:transition spd="slow">
+        <p:fade/>
+      </p:transition>
+    </mc:Fallback>
+  </mc:AlternateContent>
+</p:sld>
+</file>
+
+<file path=ppt/slides/slide25.xml><?xml version="1.0" encoding="utf-8"?>
+<p:sld xmlns:a="http://schemas.openxmlformats.org/drawingml/2006/main" xmlns:r="http://schemas.openxmlformats.org/officeDocument/2006/relationships" xmlns:p="http://schemas.openxmlformats.org/presentationml/2006/main">
+  <p:cSld>
+    <p:spTree>
+      <p:nvGrpSpPr>
+        <p:cNvPr id="1" name=""/>
+        <p:cNvGrpSpPr/>
+        <p:nvPr/>
+      </p:nvGrpSpPr>
+      <p:grpSpPr>
+        <a:xfrm>
+          <a:off x="0" y="0"/>
+          <a:ext cx="0" cy="0"/>
+          <a:chOff x="0" y="0"/>
+          <a:chExt cx="0" cy="0"/>
+        </a:xfrm>
+      </p:grpSpPr>
+      <p:grpSp>
+        <p:nvGrpSpPr>
+          <p:cNvPr id="2" name="Group 1">
+            <a:extLst>
+              <a:ext uri="{FF2B5EF4-FFF2-40B4-BE49-F238E27FC236}">
+                <a16:creationId xmlns:a16="http://schemas.microsoft.com/office/drawing/2014/main" id="{DEED64C1-3F9A-4A16-818F-CAA312EB262D}"/>
+              </a:ext>
+            </a:extLst>
+          </p:cNvPr>
+          <p:cNvGrpSpPr/>
+          <p:nvPr/>
+        </p:nvGrpSpPr>
+        <p:grpSpPr>
+          <a:xfrm>
+            <a:off x="3946221" y="2771427"/>
+            <a:ext cx="4299574" cy="1315145"/>
+            <a:chOff x="3946226" y="2483187"/>
+            <a:chExt cx="4299574" cy="1315145"/>
+          </a:xfrm>
+        </p:grpSpPr>
+        <p:sp>
+          <p:nvSpPr>
+            <p:cNvPr id="13" name="Rectangle 12">
+              <a:extLst>
+                <a:ext uri="{FF2B5EF4-FFF2-40B4-BE49-F238E27FC236}">
+                  <a16:creationId xmlns:a16="http://schemas.microsoft.com/office/drawing/2014/main" id="{5E07DB0B-D986-43D8-AE8E-A07270394A1A}"/>
+                </a:ext>
+              </a:extLst>
+            </p:cNvPr>
+            <p:cNvSpPr/>
+            <p:nvPr/>
+          </p:nvSpPr>
+          <p:spPr>
+            <a:xfrm>
+              <a:off x="4965769" y="2483187"/>
+              <a:ext cx="2260461" cy="307777"/>
+            </a:xfrm>
+            <a:prstGeom prst="rect">
+              <a:avLst/>
+            </a:prstGeom>
+            <a:noFill/>
+          </p:spPr>
+          <p:txBody>
+            <a:bodyPr wrap="square" lIns="91440" tIns="45720" rIns="91440" bIns="45720">
+              <a:spAutoFit/>
+            </a:bodyPr>
+            <a:lstStyle/>
+            <a:p>
+              <a:pPr algn="ctr"/>
+              <a:r>
+                <a:rPr lang="en-US" sz="1400" b="0" i="0" dirty="0">
+                  <a:solidFill>
+                    <a:srgbClr val="383651"/>
+                  </a:solidFill>
+                  <a:effectLst/>
+                  <a:latin typeface="Inter Medium" panose="02000503000000020004" pitchFamily="2" charset="0"/>
+                  <a:ea typeface="Inter Medium" panose="02000503000000020004" pitchFamily="2" charset="0"/>
+                </a:rPr>
+                <a:t>Bagian </a:t>
+              </a:r>
+              <a:r>
+                <a:rPr lang="en-US" sz="1400" dirty="0">
+                  <a:solidFill>
+                    <a:srgbClr val="383651"/>
+                  </a:solidFill>
+                  <a:latin typeface="Inter Medium" panose="02000503000000020004" pitchFamily="2" charset="0"/>
+                  <a:ea typeface="Inter Medium" panose="02000503000000020004" pitchFamily="2" charset="0"/>
+                </a:rPr>
+                <a:t>IV</a:t>
+              </a:r>
+              <a:endParaRPr lang="en-US" sz="1400" cap="none" spc="0" dirty="0">
+                <a:ln w="0"/>
+                <a:solidFill>
+                  <a:srgbClr val="383651"/>
+                </a:solidFill>
+                <a:latin typeface="Inter Medium" panose="02000503000000020004" pitchFamily="2" charset="0"/>
+                <a:ea typeface="Inter Medium" panose="02000503000000020004" pitchFamily="2" charset="0"/>
+              </a:endParaRPr>
+            </a:p>
+          </p:txBody>
+        </p:sp>
+        <p:sp>
+          <p:nvSpPr>
+            <p:cNvPr id="14" name="Rectangle 13">
+              <a:extLst>
+                <a:ext uri="{FF2B5EF4-FFF2-40B4-BE49-F238E27FC236}">
+                  <a16:creationId xmlns:a16="http://schemas.microsoft.com/office/drawing/2014/main" id="{867EBECD-02BD-4033-91DF-0B27ACF851F3}"/>
+                </a:ext>
+              </a:extLst>
+            </p:cNvPr>
+            <p:cNvSpPr/>
+            <p:nvPr/>
+          </p:nvSpPr>
+          <p:spPr>
+            <a:xfrm>
+              <a:off x="3946226" y="2721114"/>
+              <a:ext cx="4299574" cy="1077218"/>
+            </a:xfrm>
+            <a:prstGeom prst="rect">
+              <a:avLst/>
+            </a:prstGeom>
+            <a:noFill/>
+          </p:spPr>
+          <p:txBody>
+            <a:bodyPr wrap="none" lIns="91440" tIns="45720" rIns="91440" bIns="45720">
+              <a:spAutoFit/>
+            </a:bodyPr>
+            <a:lstStyle>
+              <a:defPPr>
+                <a:defRPr lang="en-US"/>
+              </a:defPPr>
+              <a:lvl1pPr marL="0" algn="l" defTabSz="914400" rtl="0" eaLnBrk="1" latinLnBrk="0" hangingPunct="1">
+                <a:defRPr sz="1800" kern="1200">
+                  <a:solidFill>
+                    <a:schemeClr val="tx1"/>
+                  </a:solidFill>
+                  <a:latin typeface="+mn-lt"/>
+                  <a:ea typeface="+mn-ea"/>
+                  <a:cs typeface="+mn-cs"/>
+                </a:defRPr>
+              </a:lvl1pPr>
+              <a:lvl2pPr marL="457200" algn="l" defTabSz="914400" rtl="0" eaLnBrk="1" latinLnBrk="0" hangingPunct="1">
+                <a:defRPr sz="1800" kern="1200">
+                  <a:solidFill>
+                    <a:schemeClr val="tx1"/>
+                  </a:solidFill>
+                  <a:latin typeface="+mn-lt"/>
+                  <a:ea typeface="+mn-ea"/>
+                  <a:cs typeface="+mn-cs"/>
+                </a:defRPr>
+              </a:lvl2pPr>
+              <a:lvl3pPr marL="914400" algn="l" defTabSz="914400" rtl="0" eaLnBrk="1" latinLnBrk="0" hangingPunct="1">
+                <a:defRPr sz="1800" kern="1200">
+                  <a:solidFill>
+                    <a:schemeClr val="tx1"/>
+                  </a:solidFill>
+                  <a:latin typeface="+mn-lt"/>
+                  <a:ea typeface="+mn-ea"/>
+                  <a:cs typeface="+mn-cs"/>
+                </a:defRPr>
+              </a:lvl3pPr>
+              <a:lvl4pPr marL="1371600" algn="l" defTabSz="914400" rtl="0" eaLnBrk="1" latinLnBrk="0" hangingPunct="1">
+                <a:defRPr sz="1800" kern="1200">
+                  <a:solidFill>
+                    <a:schemeClr val="tx1"/>
+                  </a:solidFill>
+                  <a:latin typeface="+mn-lt"/>
+                  <a:ea typeface="+mn-ea"/>
+                  <a:cs typeface="+mn-cs"/>
+                </a:defRPr>
+              </a:lvl4pPr>
+              <a:lvl5pPr marL="1828800" algn="l" defTabSz="914400" rtl="0" eaLnBrk="1" latinLnBrk="0" hangingPunct="1">
+                <a:defRPr sz="1800" kern="1200">
+                  <a:solidFill>
+                    <a:schemeClr val="tx1"/>
+                  </a:solidFill>
+                  <a:latin typeface="+mn-lt"/>
+                  <a:ea typeface="+mn-ea"/>
+                  <a:cs typeface="+mn-cs"/>
+                </a:defRPr>
+              </a:lvl5pPr>
+              <a:lvl6pPr marL="2286000" algn="l" defTabSz="914400" rtl="0" eaLnBrk="1" latinLnBrk="0" hangingPunct="1">
+                <a:defRPr sz="1800" kern="1200">
+                  <a:solidFill>
+                    <a:schemeClr val="tx1"/>
+                  </a:solidFill>
+                  <a:latin typeface="+mn-lt"/>
+                  <a:ea typeface="+mn-ea"/>
+                  <a:cs typeface="+mn-cs"/>
+                </a:defRPr>
+              </a:lvl6pPr>
+              <a:lvl7pPr marL="2743200" algn="l" defTabSz="914400" rtl="0" eaLnBrk="1" latinLnBrk="0" hangingPunct="1">
+                <a:defRPr sz="1800" kern="1200">
+                  <a:solidFill>
+                    <a:schemeClr val="tx1"/>
+                  </a:solidFill>
+                  <a:latin typeface="+mn-lt"/>
+                  <a:ea typeface="+mn-ea"/>
+                  <a:cs typeface="+mn-cs"/>
+                </a:defRPr>
+              </a:lvl7pPr>
+              <a:lvl8pPr marL="3200400" algn="l" defTabSz="914400" rtl="0" eaLnBrk="1" latinLnBrk="0" hangingPunct="1">
+                <a:defRPr sz="1800" kern="1200">
+                  <a:solidFill>
+                    <a:schemeClr val="tx1"/>
+                  </a:solidFill>
+                  <a:latin typeface="+mn-lt"/>
+                  <a:ea typeface="+mn-ea"/>
+                  <a:cs typeface="+mn-cs"/>
+                </a:defRPr>
+              </a:lvl8pPr>
+              <a:lvl9pPr marL="3657600" algn="l" defTabSz="914400" rtl="0" eaLnBrk="1" latinLnBrk="0" hangingPunct="1">
+                <a:defRPr sz="1800" kern="1200">
+                  <a:solidFill>
+                    <a:schemeClr val="tx1"/>
+                  </a:solidFill>
+                  <a:latin typeface="+mn-lt"/>
+                  <a:ea typeface="+mn-ea"/>
+                  <a:cs typeface="+mn-cs"/>
+                </a:defRPr>
+              </a:lvl9pPr>
+            </a:lstStyle>
+            <a:p>
+              <a:pPr algn="ctr"/>
+              <a:r>
+                <a:rPr lang="en-US" sz="4000" cap="none" spc="0" dirty="0" err="1">
+                  <a:ln w="0"/>
+                  <a:solidFill>
+                    <a:srgbClr val="383651"/>
+                  </a:solidFill>
+                  <a:latin typeface="Inter Medium" panose="02000503000000020004" pitchFamily="2" charset="0"/>
+                  <a:ea typeface="Inter Medium" panose="02000503000000020004" pitchFamily="2" charset="0"/>
+                </a:rPr>
+                <a:t>Metode</a:t>
+              </a:r>
+              <a:r>
+                <a:rPr lang="en-US" sz="4000" cap="none" spc="0" dirty="0">
+                  <a:ln w="0"/>
+                  <a:solidFill>
+                    <a:srgbClr val="383651"/>
+                  </a:solidFill>
+                  <a:latin typeface="Inter Medium" panose="02000503000000020004" pitchFamily="2" charset="0"/>
+                  <a:ea typeface="Inter Medium" panose="02000503000000020004" pitchFamily="2" charset="0"/>
+                </a:rPr>
+                <a:t> Program</a:t>
+              </a:r>
+            </a:p>
+            <a:p>
+              <a:pPr algn="ctr"/>
+              <a:r>
+                <a:rPr lang="en-US" sz="2400" dirty="0">
+                  <a:ln w="0"/>
+                  <a:solidFill>
+                    <a:srgbClr val="383651"/>
+                  </a:solidFill>
+                  <a:latin typeface="Inter Medium" panose="02000503000000020004" pitchFamily="2" charset="0"/>
+                  <a:ea typeface="Inter Medium" panose="02000503000000020004" pitchFamily="2" charset="0"/>
+                </a:rPr>
+                <a:t>ERD dan LRS</a:t>
+              </a:r>
+              <a:endParaRPr lang="en-US" sz="2400" cap="none" spc="0" dirty="0">
+                <a:ln w="0"/>
+                <a:solidFill>
+                  <a:srgbClr val="383651"/>
+                </a:solidFill>
+                <a:latin typeface="Inter Medium" panose="02000503000000020004" pitchFamily="2" charset="0"/>
+                <a:ea typeface="Inter Medium" panose="02000503000000020004" pitchFamily="2" charset="0"/>
+              </a:endParaRPr>
+            </a:p>
+          </p:txBody>
+        </p:sp>
+      </p:grpSp>
+    </p:spTree>
+    <p:extLst>
+      <p:ext uri="{BB962C8B-B14F-4D97-AF65-F5344CB8AC3E}">
+        <p14:creationId xmlns:p14="http://schemas.microsoft.com/office/powerpoint/2010/main" val="1382348620"/>
       </p:ext>
     </p:extLst>
   </p:cSld>

--- a/assets/presentasi/presentasi.pptx
+++ b/assets/presentasi/presentasi.pptx
@@ -5,7 +5,7 @@
     <p:sldMasterId id="2147483648" r:id="rId1"/>
   </p:sldMasterIdLst>
   <p:notesMasterIdLst>
-    <p:notesMasterId r:id="rId27"/>
+    <p:notesMasterId r:id="rId32"/>
   </p:notesMasterIdLst>
   <p:sldIdLst>
     <p:sldId id="257" r:id="rId2"/>
@@ -33,6 +33,11 @@
     <p:sldId id="278" r:id="rId24"/>
     <p:sldId id="279" r:id="rId25"/>
     <p:sldId id="280" r:id="rId26"/>
+    <p:sldId id="284" r:id="rId27"/>
+    <p:sldId id="285" r:id="rId28"/>
+    <p:sldId id="286" r:id="rId29"/>
+    <p:sldId id="287" r:id="rId30"/>
+    <p:sldId id="288" r:id="rId31"/>
   </p:sldIdLst>
   <p:sldSz cx="12192000" cy="6858000"/>
   <p:notesSz cx="6858000" cy="9144000"/>
@@ -1076,6 +1081,90 @@
 </p:notes>
 </file>
 
+<file path=ppt/notesSlides/notesSlide8.xml><?xml version="1.0" encoding="utf-8"?>
+<p:notes xmlns:a="http://schemas.openxmlformats.org/drawingml/2006/main" xmlns:r="http://schemas.openxmlformats.org/officeDocument/2006/relationships" xmlns:p="http://schemas.openxmlformats.org/presentationml/2006/main">
+  <p:cSld>
+    <p:spTree>
+      <p:nvGrpSpPr>
+        <p:cNvPr id="1" name=""/>
+        <p:cNvGrpSpPr/>
+        <p:nvPr/>
+      </p:nvGrpSpPr>
+      <p:grpSpPr>
+        <a:xfrm>
+          <a:off x="0" y="0"/>
+          <a:ext cx="0" cy="0"/>
+          <a:chOff x="0" y="0"/>
+          <a:chExt cx="0" cy="0"/>
+        </a:xfrm>
+      </p:grpSpPr>
+      <p:sp>
+        <p:nvSpPr>
+          <p:cNvPr id="2" name="Slide Image Placeholder 1"/>
+          <p:cNvSpPr>
+            <a:spLocks noGrp="1" noRot="1" noChangeAspect="1"/>
+          </p:cNvSpPr>
+          <p:nvPr>
+            <p:ph type="sldImg"/>
+          </p:nvPr>
+        </p:nvSpPr>
+        <p:spPr/>
+      </p:sp>
+      <p:sp>
+        <p:nvSpPr>
+          <p:cNvPr id="3" name="Notes Placeholder 2"/>
+          <p:cNvSpPr>
+            <a:spLocks noGrp="1"/>
+          </p:cNvSpPr>
+          <p:nvPr>
+            <p:ph type="body" idx="1"/>
+          </p:nvPr>
+        </p:nvSpPr>
+        <p:spPr/>
+        <p:txBody>
+          <a:bodyPr/>
+          <a:lstStyle/>
+          <a:p>
+            <a:endParaRPr lang="en-US" dirty="0"/>
+          </a:p>
+        </p:txBody>
+      </p:sp>
+      <p:sp>
+        <p:nvSpPr>
+          <p:cNvPr id="4" name="Slide Number Placeholder 3"/>
+          <p:cNvSpPr>
+            <a:spLocks noGrp="1"/>
+          </p:cNvSpPr>
+          <p:nvPr>
+            <p:ph type="sldNum" sz="quarter" idx="5"/>
+          </p:nvPr>
+        </p:nvSpPr>
+        <p:spPr/>
+        <p:txBody>
+          <a:bodyPr/>
+          <a:lstStyle/>
+          <a:p>
+            <a:fld id="{C2911FE3-7C9E-4AB6-A245-A7E8AABE7302}" type="slidenum">
+              <a:rPr lang="en-US" smtClean="0"/>
+              <a:t>25</a:t>
+            </a:fld>
+            <a:endParaRPr lang="en-US"/>
+          </a:p>
+        </p:txBody>
+      </p:sp>
+    </p:spTree>
+    <p:extLst>
+      <p:ext uri="{BB962C8B-B14F-4D97-AF65-F5344CB8AC3E}">
+        <p14:creationId xmlns:p14="http://schemas.microsoft.com/office/powerpoint/2010/main" val="3261948032"/>
+      </p:ext>
+    </p:extLst>
+  </p:cSld>
+  <p:clrMapOvr>
+    <a:masterClrMapping/>
+  </p:clrMapOvr>
+</p:notes>
+</file>
+
 <file path=ppt/slideLayouts/slideLayout1.xml><?xml version="1.0" encoding="utf-8"?>
 <p:sldLayout xmlns:a="http://schemas.openxmlformats.org/drawingml/2006/main" xmlns:r="http://schemas.openxmlformats.org/officeDocument/2006/relationships" xmlns:p="http://schemas.openxmlformats.org/presentationml/2006/main" type="title" preserve="1">
   <p:cSld name="Title Slide">
@@ -11966,7 +12055,7 @@
         <p:spPr>
           <a:xfrm>
             <a:off x="1533710" y="3112513"/>
-            <a:ext cx="1774845" cy="400110"/>
+            <a:ext cx="1790875" cy="400110"/>
           </a:xfrm>
           <a:prstGeom prst="rect">
             <a:avLst/>
@@ -12082,7 +12171,7 @@
                 <a:latin typeface="Inter Medium" panose="02000503000000020004" pitchFamily="2" charset="0"/>
                 <a:ea typeface="Inter Medium" panose="02000503000000020004" pitchFamily="2" charset="0"/>
               </a:rPr>
-              <a:t>Rifki</a:t>
+              <a:t>Rifqi</a:t>
             </a:r>
             <a:r>
               <a:rPr lang="en-US" sz="2000" dirty="0">
@@ -13874,10 +13963,10 @@
         </p:nvGrpSpPr>
         <p:grpSpPr>
           <a:xfrm>
-            <a:off x="3946221" y="2771427"/>
-            <a:ext cx="4299574" cy="1315145"/>
-            <a:chOff x="3946226" y="2483187"/>
-            <a:chExt cx="4299574" cy="1315145"/>
+            <a:off x="3888516" y="2771427"/>
+            <a:ext cx="4414991" cy="945813"/>
+            <a:chOff x="3888521" y="2483187"/>
+            <a:chExt cx="4414991" cy="945813"/>
           </a:xfrm>
         </p:grpSpPr>
         <p:sp>
@@ -13955,8 +14044,8 @@
           </p:nvSpPr>
           <p:spPr>
             <a:xfrm>
-              <a:off x="3946226" y="2721114"/>
-              <a:ext cx="4299574" cy="1077218"/>
+              <a:off x="3888521" y="2721114"/>
+              <a:ext cx="4414991" cy="707886"/>
             </a:xfrm>
             <a:prstGeom prst="rect">
               <a:avLst/>
@@ -14065,7 +14154,7 @@
             <a:p>
               <a:pPr algn="ctr"/>
               <a:r>
-                <a:rPr lang="en-US" sz="4000" cap="none" spc="0" dirty="0" err="1">
+                <a:rPr lang="en-US" sz="4000" dirty="0">
                   <a:ln w="0"/>
                   <a:solidFill>
                     <a:srgbClr val="383651"/>
@@ -14073,10 +14162,779 @@
                   <a:latin typeface="Inter Medium" panose="02000503000000020004" pitchFamily="2" charset="0"/>
                   <a:ea typeface="Inter Medium" panose="02000503000000020004" pitchFamily="2" charset="0"/>
                 </a:rPr>
-                <a:t>Metode</a:t>
+                <a:t>Running Program</a:t>
+              </a:r>
+              <a:endParaRPr lang="en-US" sz="2400" cap="none" spc="0" dirty="0">
+                <a:ln w="0"/>
+                <a:solidFill>
+                  <a:srgbClr val="383651"/>
+                </a:solidFill>
+                <a:latin typeface="Inter Medium" panose="02000503000000020004" pitchFamily="2" charset="0"/>
+                <a:ea typeface="Inter Medium" panose="02000503000000020004" pitchFamily="2" charset="0"/>
+              </a:endParaRPr>
+            </a:p>
+          </p:txBody>
+        </p:sp>
+      </p:grpSp>
+      <p:pic>
+        <p:nvPicPr>
+          <p:cNvPr id="8" name="Picture 2">
+            <a:extLst>
+              <a:ext uri="{FF2B5EF4-FFF2-40B4-BE49-F238E27FC236}">
+                <a16:creationId xmlns:a16="http://schemas.microsoft.com/office/drawing/2014/main" id="{243A6B41-0CB9-400A-B190-0E166C56B50D}"/>
+              </a:ext>
+            </a:extLst>
+          </p:cNvPr>
+          <p:cNvPicPr>
+            <a:picLocks noChangeAspect="1" noChangeArrowheads="1"/>
+          </p:cNvPicPr>
+          <p:nvPr/>
+        </p:nvPicPr>
+        <p:blipFill>
+          <a:blip r:embed="rId3">
+            <a:extLst>
+              <a:ext uri="{28A0092B-C50C-407E-A947-70E740481C1C}">
+                <a14:useLocalDpi xmlns:a14="http://schemas.microsoft.com/office/drawing/2010/main" val="0"/>
+              </a:ext>
+            </a:extLst>
+          </a:blip>
+          <a:srcRect/>
+          <a:stretch>
+            <a:fillRect/>
+          </a:stretch>
+        </p:blipFill>
+        <p:spPr bwMode="auto">
+          <a:xfrm>
+            <a:off x="1490664" y="6858000"/>
+            <a:ext cx="2167366" cy="4395785"/>
+          </a:xfrm>
+          <a:prstGeom prst="rect">
+            <a:avLst/>
+          </a:prstGeom>
+          <a:noFill/>
+          <a:extLst>
+            <a:ext uri="{909E8E84-426E-40DD-AFC4-6F175D3DCCD1}">
+              <a14:hiddenFill xmlns:a14="http://schemas.microsoft.com/office/drawing/2010/main">
+                <a:solidFill>
+                  <a:srgbClr val="FFFFFF"/>
+                </a:solidFill>
+              </a14:hiddenFill>
+            </a:ext>
+          </a:extLst>
+        </p:spPr>
+      </p:pic>
+      <p:pic>
+        <p:nvPicPr>
+          <p:cNvPr id="9" name="Picture 4">
+            <a:extLst>
+              <a:ext uri="{FF2B5EF4-FFF2-40B4-BE49-F238E27FC236}">
+                <a16:creationId xmlns:a16="http://schemas.microsoft.com/office/drawing/2014/main" id="{5E0CA5F5-4EF3-4622-8E9C-FDF7A2CCB6F4}"/>
+              </a:ext>
+            </a:extLst>
+          </p:cNvPr>
+          <p:cNvPicPr>
+            <a:picLocks noChangeAspect="1" noChangeArrowheads="1"/>
+          </p:cNvPicPr>
+          <p:nvPr/>
+        </p:nvPicPr>
+        <p:blipFill>
+          <a:blip r:embed="rId4">
+            <a:extLst>
+              <a:ext uri="{28A0092B-C50C-407E-A947-70E740481C1C}">
+                <a14:useLocalDpi xmlns:a14="http://schemas.microsoft.com/office/drawing/2010/main" val="0"/>
+              </a:ext>
+            </a:extLst>
+          </a:blip>
+          <a:srcRect/>
+          <a:stretch>
+            <a:fillRect/>
+          </a:stretch>
+        </p:blipFill>
+        <p:spPr bwMode="auto">
+          <a:xfrm>
+            <a:off x="4824414" y="7524751"/>
+            <a:ext cx="2167366" cy="4395785"/>
+          </a:xfrm>
+          <a:prstGeom prst="rect">
+            <a:avLst/>
+          </a:prstGeom>
+          <a:noFill/>
+          <a:extLst>
+            <a:ext uri="{909E8E84-426E-40DD-AFC4-6F175D3DCCD1}">
+              <a14:hiddenFill xmlns:a14="http://schemas.microsoft.com/office/drawing/2010/main">
+                <a:solidFill>
+                  <a:srgbClr val="FFFFFF"/>
+                </a:solidFill>
+              </a14:hiddenFill>
+            </a:ext>
+          </a:extLst>
+        </p:spPr>
+      </p:pic>
+      <p:pic>
+        <p:nvPicPr>
+          <p:cNvPr id="10" name="Picture 6">
+            <a:extLst>
+              <a:ext uri="{FF2B5EF4-FFF2-40B4-BE49-F238E27FC236}">
+                <a16:creationId xmlns:a16="http://schemas.microsoft.com/office/drawing/2014/main" id="{341112C1-7FFF-423C-9EC1-F307CE290BAB}"/>
+              </a:ext>
+            </a:extLst>
+          </p:cNvPr>
+          <p:cNvPicPr>
+            <a:picLocks noChangeAspect="1" noChangeArrowheads="1"/>
+          </p:cNvPicPr>
+          <p:nvPr/>
+        </p:nvPicPr>
+        <p:blipFill>
+          <a:blip r:embed="rId4">
+            <a:extLst>
+              <a:ext uri="{28A0092B-C50C-407E-A947-70E740481C1C}">
+                <a14:useLocalDpi xmlns:a14="http://schemas.microsoft.com/office/drawing/2010/main" val="0"/>
+              </a:ext>
+            </a:extLst>
+          </a:blip>
+          <a:srcRect/>
+          <a:stretch>
+            <a:fillRect/>
+          </a:stretch>
+        </p:blipFill>
+        <p:spPr bwMode="auto">
+          <a:xfrm>
+            <a:off x="8101013" y="8083550"/>
+            <a:ext cx="2167367" cy="4395786"/>
+          </a:xfrm>
+          <a:prstGeom prst="rect">
+            <a:avLst/>
+          </a:prstGeom>
+          <a:noFill/>
+          <a:extLst>
+            <a:ext uri="{909E8E84-426E-40DD-AFC4-6F175D3DCCD1}">
+              <a14:hiddenFill xmlns:a14="http://schemas.microsoft.com/office/drawing/2010/main">
+                <a:solidFill>
+                  <a:srgbClr val="FFFFFF"/>
+                </a:solidFill>
+              </a14:hiddenFill>
+            </a:ext>
+          </a:extLst>
+        </p:spPr>
+      </p:pic>
+    </p:spTree>
+    <p:extLst>
+      <p:ext uri="{BB962C8B-B14F-4D97-AF65-F5344CB8AC3E}">
+        <p14:creationId xmlns:p14="http://schemas.microsoft.com/office/powerpoint/2010/main" val="1382348620"/>
+      </p:ext>
+    </p:extLst>
+  </p:cSld>
+  <p:clrMapOvr>
+    <a:masterClrMapping/>
+  </p:clrMapOvr>
+  <mc:AlternateContent xmlns:mc="http://schemas.openxmlformats.org/markup-compatibility/2006" xmlns:p159="http://schemas.microsoft.com/office/powerpoint/2015/09/main">
+    <mc:Choice Requires="p159">
+      <p:transition xmlns:p14="http://schemas.microsoft.com/office/powerpoint/2010/main" spd="slow" p14:dur="2000">
+        <p159:morph option="byObject"/>
+      </p:transition>
+    </mc:Choice>
+    <mc:Fallback xmlns="">
+      <p:transition spd="slow">
+        <p:fade/>
+      </p:transition>
+    </mc:Fallback>
+  </mc:AlternateContent>
+</p:sld>
+</file>
+
+<file path=ppt/slides/slide26.xml><?xml version="1.0" encoding="utf-8"?>
+<p:sld xmlns:a="http://schemas.openxmlformats.org/drawingml/2006/main" xmlns:r="http://schemas.openxmlformats.org/officeDocument/2006/relationships" xmlns:p="http://schemas.openxmlformats.org/presentationml/2006/main">
+  <p:cSld>
+    <p:spTree>
+      <p:nvGrpSpPr>
+        <p:cNvPr id="1" name=""/>
+        <p:cNvGrpSpPr/>
+        <p:nvPr/>
+      </p:nvGrpSpPr>
+      <p:grpSpPr>
+        <a:xfrm>
+          <a:off x="0" y="0"/>
+          <a:ext cx="0" cy="0"/>
+          <a:chOff x="0" y="0"/>
+          <a:chExt cx="0" cy="0"/>
+        </a:xfrm>
+      </p:grpSpPr>
+      <p:pic>
+        <p:nvPicPr>
+          <p:cNvPr id="1026" name="Picture 2">
+            <a:extLst>
+              <a:ext uri="{FF2B5EF4-FFF2-40B4-BE49-F238E27FC236}">
+                <a16:creationId xmlns:a16="http://schemas.microsoft.com/office/drawing/2014/main" id="{CEAD863E-9B76-4FBE-B64E-69E245BB0CFA}"/>
+              </a:ext>
+            </a:extLst>
+          </p:cNvPr>
+          <p:cNvPicPr>
+            <a:picLocks noChangeAspect="1" noChangeArrowheads="1"/>
+          </p:cNvPicPr>
+          <p:nvPr/>
+        </p:nvPicPr>
+        <p:blipFill>
+          <a:blip r:embed="rId2">
+            <a:extLst>
+              <a:ext uri="{28A0092B-C50C-407E-A947-70E740481C1C}">
+                <a14:useLocalDpi xmlns:a14="http://schemas.microsoft.com/office/drawing/2010/main" val="0"/>
+              </a:ext>
+            </a:extLst>
+          </a:blip>
+          <a:srcRect/>
+          <a:stretch>
+            <a:fillRect/>
+          </a:stretch>
+        </p:blipFill>
+        <p:spPr bwMode="auto">
+          <a:xfrm>
+            <a:off x="1820864" y="1306949"/>
+            <a:ext cx="2427286" cy="4922947"/>
+          </a:xfrm>
+          <a:prstGeom prst="rect">
+            <a:avLst/>
+          </a:prstGeom>
+          <a:noFill/>
+          <a:extLst>
+            <a:ext uri="{909E8E84-426E-40DD-AFC4-6F175D3DCCD1}">
+              <a14:hiddenFill xmlns:a14="http://schemas.microsoft.com/office/drawing/2010/main">
+                <a:solidFill>
+                  <a:srgbClr val="FFFFFF"/>
+                </a:solidFill>
+              </a14:hiddenFill>
+            </a:ext>
+          </a:extLst>
+        </p:spPr>
+      </p:pic>
+      <p:pic>
+        <p:nvPicPr>
+          <p:cNvPr id="1028" name="Picture 4">
+            <a:extLst>
+              <a:ext uri="{FF2B5EF4-FFF2-40B4-BE49-F238E27FC236}">
+                <a16:creationId xmlns:a16="http://schemas.microsoft.com/office/drawing/2014/main" id="{21A8CCD4-C4E6-44AB-A37C-0FC76F8502CA}"/>
+              </a:ext>
+            </a:extLst>
+          </p:cNvPr>
+          <p:cNvPicPr>
+            <a:picLocks noChangeAspect="1" noChangeArrowheads="1"/>
+          </p:cNvPicPr>
+          <p:nvPr/>
+        </p:nvPicPr>
+        <p:blipFill>
+          <a:blip r:embed="rId3">
+            <a:extLst>
+              <a:ext uri="{28A0092B-C50C-407E-A947-70E740481C1C}">
+                <a14:useLocalDpi xmlns:a14="http://schemas.microsoft.com/office/drawing/2010/main" val="0"/>
+              </a:ext>
+            </a:extLst>
+          </a:blip>
+          <a:srcRect/>
+          <a:stretch>
+            <a:fillRect/>
+          </a:stretch>
+        </p:blipFill>
+        <p:spPr bwMode="auto">
+          <a:xfrm>
+            <a:off x="4964114" y="1306949"/>
+            <a:ext cx="2427286" cy="4922947"/>
+          </a:xfrm>
+          <a:prstGeom prst="rect">
+            <a:avLst/>
+          </a:prstGeom>
+          <a:noFill/>
+          <a:extLst>
+            <a:ext uri="{909E8E84-426E-40DD-AFC4-6F175D3DCCD1}">
+              <a14:hiddenFill xmlns:a14="http://schemas.microsoft.com/office/drawing/2010/main">
+                <a:solidFill>
+                  <a:srgbClr val="FFFFFF"/>
+                </a:solidFill>
+              </a14:hiddenFill>
+            </a:ext>
+          </a:extLst>
+        </p:spPr>
+      </p:pic>
+      <p:pic>
+        <p:nvPicPr>
+          <p:cNvPr id="1030" name="Picture 6">
+            <a:extLst>
+              <a:ext uri="{FF2B5EF4-FFF2-40B4-BE49-F238E27FC236}">
+                <a16:creationId xmlns:a16="http://schemas.microsoft.com/office/drawing/2014/main" id="{9B6E7682-7E94-4C20-82F6-03180FCB3AEF}"/>
+              </a:ext>
+            </a:extLst>
+          </p:cNvPr>
+          <p:cNvPicPr>
+            <a:picLocks noChangeAspect="1" noChangeArrowheads="1"/>
+          </p:cNvPicPr>
+          <p:nvPr/>
+        </p:nvPicPr>
+        <p:blipFill>
+          <a:blip r:embed="rId3">
+            <a:extLst>
+              <a:ext uri="{28A0092B-C50C-407E-A947-70E740481C1C}">
+                <a14:useLocalDpi xmlns:a14="http://schemas.microsoft.com/office/drawing/2010/main" val="0"/>
+              </a:ext>
+            </a:extLst>
+          </a:blip>
+          <a:srcRect/>
+          <a:stretch>
+            <a:fillRect/>
+          </a:stretch>
+        </p:blipFill>
+        <p:spPr bwMode="auto">
+          <a:xfrm>
+            <a:off x="7999413" y="1306948"/>
+            <a:ext cx="2427287" cy="4922948"/>
+          </a:xfrm>
+          <a:prstGeom prst="rect">
+            <a:avLst/>
+          </a:prstGeom>
+          <a:noFill/>
+          <a:extLst>
+            <a:ext uri="{909E8E84-426E-40DD-AFC4-6F175D3DCCD1}">
+              <a14:hiddenFill xmlns:a14="http://schemas.microsoft.com/office/drawing/2010/main">
+                <a:solidFill>
+                  <a:srgbClr val="FFFFFF"/>
+                </a:solidFill>
+              </a14:hiddenFill>
+            </a:ext>
+          </a:extLst>
+        </p:spPr>
+      </p:pic>
+      <p:sp>
+        <p:nvSpPr>
+          <p:cNvPr id="10" name="Rectangle 9">
+            <a:extLst>
+              <a:ext uri="{FF2B5EF4-FFF2-40B4-BE49-F238E27FC236}">
+                <a16:creationId xmlns:a16="http://schemas.microsoft.com/office/drawing/2014/main" id="{5CCD8541-C05F-47F5-9269-BD90A1919D55}"/>
+              </a:ext>
+            </a:extLst>
+          </p:cNvPr>
+          <p:cNvSpPr/>
+          <p:nvPr/>
+        </p:nvSpPr>
+        <p:spPr>
+          <a:xfrm>
+            <a:off x="3737028" y="424904"/>
+            <a:ext cx="4717958" cy="646331"/>
+          </a:xfrm>
+          <a:prstGeom prst="rect">
+            <a:avLst/>
+          </a:prstGeom>
+          <a:noFill/>
+        </p:spPr>
+        <p:txBody>
+          <a:bodyPr wrap="none" lIns="91440" tIns="45720" rIns="91440" bIns="45720">
+            <a:spAutoFit/>
+          </a:bodyPr>
+          <a:lstStyle>
+            <a:defPPr>
+              <a:defRPr lang="en-US"/>
+            </a:defPPr>
+            <a:lvl1pPr marL="0" algn="l" defTabSz="914400" rtl="0" eaLnBrk="1" latinLnBrk="0" hangingPunct="1">
+              <a:defRPr sz="1800" kern="1200">
+                <a:solidFill>
+                  <a:schemeClr val="tx1"/>
+                </a:solidFill>
+                <a:latin typeface="+mn-lt"/>
+                <a:ea typeface="+mn-ea"/>
+                <a:cs typeface="+mn-cs"/>
+              </a:defRPr>
+            </a:lvl1pPr>
+            <a:lvl2pPr marL="457200" algn="l" defTabSz="914400" rtl="0" eaLnBrk="1" latinLnBrk="0" hangingPunct="1">
+              <a:defRPr sz="1800" kern="1200">
+                <a:solidFill>
+                  <a:schemeClr val="tx1"/>
+                </a:solidFill>
+                <a:latin typeface="+mn-lt"/>
+                <a:ea typeface="+mn-ea"/>
+                <a:cs typeface="+mn-cs"/>
+              </a:defRPr>
+            </a:lvl2pPr>
+            <a:lvl3pPr marL="914400" algn="l" defTabSz="914400" rtl="0" eaLnBrk="1" latinLnBrk="0" hangingPunct="1">
+              <a:defRPr sz="1800" kern="1200">
+                <a:solidFill>
+                  <a:schemeClr val="tx1"/>
+                </a:solidFill>
+                <a:latin typeface="+mn-lt"/>
+                <a:ea typeface="+mn-ea"/>
+                <a:cs typeface="+mn-cs"/>
+              </a:defRPr>
+            </a:lvl3pPr>
+            <a:lvl4pPr marL="1371600" algn="l" defTabSz="914400" rtl="0" eaLnBrk="1" latinLnBrk="0" hangingPunct="1">
+              <a:defRPr sz="1800" kern="1200">
+                <a:solidFill>
+                  <a:schemeClr val="tx1"/>
+                </a:solidFill>
+                <a:latin typeface="+mn-lt"/>
+                <a:ea typeface="+mn-ea"/>
+                <a:cs typeface="+mn-cs"/>
+              </a:defRPr>
+            </a:lvl4pPr>
+            <a:lvl5pPr marL="1828800" algn="l" defTabSz="914400" rtl="0" eaLnBrk="1" latinLnBrk="0" hangingPunct="1">
+              <a:defRPr sz="1800" kern="1200">
+                <a:solidFill>
+                  <a:schemeClr val="tx1"/>
+                </a:solidFill>
+                <a:latin typeface="+mn-lt"/>
+                <a:ea typeface="+mn-ea"/>
+                <a:cs typeface="+mn-cs"/>
+              </a:defRPr>
+            </a:lvl5pPr>
+            <a:lvl6pPr marL="2286000" algn="l" defTabSz="914400" rtl="0" eaLnBrk="1" latinLnBrk="0" hangingPunct="1">
+              <a:defRPr sz="1800" kern="1200">
+                <a:solidFill>
+                  <a:schemeClr val="tx1"/>
+                </a:solidFill>
+                <a:latin typeface="+mn-lt"/>
+                <a:ea typeface="+mn-ea"/>
+                <a:cs typeface="+mn-cs"/>
+              </a:defRPr>
+            </a:lvl6pPr>
+            <a:lvl7pPr marL="2743200" algn="l" defTabSz="914400" rtl="0" eaLnBrk="1" latinLnBrk="0" hangingPunct="1">
+              <a:defRPr sz="1800" kern="1200">
+                <a:solidFill>
+                  <a:schemeClr val="tx1"/>
+                </a:solidFill>
+                <a:latin typeface="+mn-lt"/>
+                <a:ea typeface="+mn-ea"/>
+                <a:cs typeface="+mn-cs"/>
+              </a:defRPr>
+            </a:lvl7pPr>
+            <a:lvl8pPr marL="3200400" algn="l" defTabSz="914400" rtl="0" eaLnBrk="1" latinLnBrk="0" hangingPunct="1">
+              <a:defRPr sz="1800" kern="1200">
+                <a:solidFill>
+                  <a:schemeClr val="tx1"/>
+                </a:solidFill>
+                <a:latin typeface="+mn-lt"/>
+                <a:ea typeface="+mn-ea"/>
+                <a:cs typeface="+mn-cs"/>
+              </a:defRPr>
+            </a:lvl8pPr>
+            <a:lvl9pPr marL="3657600" algn="l" defTabSz="914400" rtl="0" eaLnBrk="1" latinLnBrk="0" hangingPunct="1">
+              <a:defRPr sz="1800" kern="1200">
+                <a:solidFill>
+                  <a:schemeClr val="tx1"/>
+                </a:solidFill>
+                <a:latin typeface="+mn-lt"/>
+                <a:ea typeface="+mn-ea"/>
+                <a:cs typeface="+mn-cs"/>
+              </a:defRPr>
+            </a:lvl9pPr>
+          </a:lstStyle>
+          <a:p>
+            <a:pPr algn="ctr"/>
+            <a:r>
+              <a:rPr lang="en-US" sz="3600" dirty="0">
+                <a:ln w="0"/>
+                <a:solidFill>
+                  <a:srgbClr val="383651"/>
+                </a:solidFill>
+                <a:latin typeface="Inter Medium" panose="02000503000000020004" pitchFamily="2" charset="0"/>
+                <a:ea typeface="Inter Medium" panose="02000503000000020004" pitchFamily="2" charset="0"/>
+              </a:rPr>
+              <a:t>Screenshot Program</a:t>
+            </a:r>
+            <a:endParaRPr lang="en-US" sz="3600" cap="none" spc="0" dirty="0">
+              <a:ln w="0"/>
+              <a:solidFill>
+                <a:srgbClr val="383651"/>
+              </a:solidFill>
+              <a:latin typeface="Inter Medium" panose="02000503000000020004" pitchFamily="2" charset="0"/>
+              <a:ea typeface="Inter Medium" panose="02000503000000020004" pitchFamily="2" charset="0"/>
+            </a:endParaRPr>
+          </a:p>
+        </p:txBody>
+      </p:sp>
+    </p:spTree>
+    <p:extLst>
+      <p:ext uri="{BB962C8B-B14F-4D97-AF65-F5344CB8AC3E}">
+        <p14:creationId xmlns:p14="http://schemas.microsoft.com/office/powerpoint/2010/main" val="2477442184"/>
+      </p:ext>
+    </p:extLst>
+  </p:cSld>
+  <p:clrMapOvr>
+    <a:masterClrMapping/>
+  </p:clrMapOvr>
+  <mc:AlternateContent xmlns:mc="http://schemas.openxmlformats.org/markup-compatibility/2006" xmlns:p159="http://schemas.microsoft.com/office/powerpoint/2015/09/main">
+    <mc:Choice Requires="p159">
+      <p:transition xmlns:p14="http://schemas.microsoft.com/office/powerpoint/2010/main" spd="slow" p14:dur="2000">
+        <p159:morph option="byObject"/>
+      </p:transition>
+    </mc:Choice>
+    <mc:Fallback xmlns="">
+      <p:transition spd="slow">
+        <p:fade/>
+      </p:transition>
+    </mc:Fallback>
+  </mc:AlternateContent>
+</p:sld>
+</file>
+
+<file path=ppt/slides/slide27.xml><?xml version="1.0" encoding="utf-8"?>
+<p:sld xmlns:a="http://schemas.openxmlformats.org/drawingml/2006/main" xmlns:r="http://schemas.openxmlformats.org/officeDocument/2006/relationships" xmlns:p="http://schemas.openxmlformats.org/presentationml/2006/main">
+  <p:cSld>
+    <p:spTree>
+      <p:nvGrpSpPr>
+        <p:cNvPr id="1" name=""/>
+        <p:cNvGrpSpPr/>
+        <p:nvPr/>
+      </p:nvGrpSpPr>
+      <p:grpSpPr>
+        <a:xfrm>
+          <a:off x="0" y="0"/>
+          <a:ext cx="0" cy="0"/>
+          <a:chOff x="0" y="0"/>
+          <a:chExt cx="0" cy="0"/>
+        </a:xfrm>
+      </p:grpSpPr>
+    </p:spTree>
+    <p:extLst>
+      <p:ext uri="{BB962C8B-B14F-4D97-AF65-F5344CB8AC3E}">
+        <p14:creationId xmlns:p14="http://schemas.microsoft.com/office/powerpoint/2010/main" val="3179757218"/>
+      </p:ext>
+    </p:extLst>
+  </p:cSld>
+  <p:clrMapOvr>
+    <a:masterClrMapping/>
+  </p:clrMapOvr>
+  <mc:AlternateContent xmlns:mc="http://schemas.openxmlformats.org/markup-compatibility/2006" xmlns:p159="http://schemas.microsoft.com/office/powerpoint/2015/09/main">
+    <mc:Choice Requires="p159">
+      <p:transition xmlns:p14="http://schemas.microsoft.com/office/powerpoint/2010/main" spd="slow" p14:dur="2000">
+        <p159:morph option="byObject"/>
+      </p:transition>
+    </mc:Choice>
+    <mc:Fallback xmlns="">
+      <p:transition spd="slow">
+        <p:fade/>
+      </p:transition>
+    </mc:Fallback>
+  </mc:AlternateContent>
+</p:sld>
+</file>
+
+<file path=ppt/slides/slide28.xml><?xml version="1.0" encoding="utf-8"?>
+<p:sld xmlns:a="http://schemas.openxmlformats.org/drawingml/2006/main" xmlns:r="http://schemas.openxmlformats.org/officeDocument/2006/relationships" xmlns:p="http://schemas.openxmlformats.org/presentationml/2006/main">
+  <p:cSld>
+    <p:spTree>
+      <p:nvGrpSpPr>
+        <p:cNvPr id="1" name=""/>
+        <p:cNvGrpSpPr/>
+        <p:nvPr/>
+      </p:nvGrpSpPr>
+      <p:grpSpPr>
+        <a:xfrm>
+          <a:off x="0" y="0"/>
+          <a:ext cx="0" cy="0"/>
+          <a:chOff x="0" y="0"/>
+          <a:chExt cx="0" cy="0"/>
+        </a:xfrm>
+      </p:grpSpPr>
+      <p:grpSp>
+        <p:nvGrpSpPr>
+          <p:cNvPr id="2" name="Group 1">
+            <a:extLst>
+              <a:ext uri="{FF2B5EF4-FFF2-40B4-BE49-F238E27FC236}">
+                <a16:creationId xmlns:a16="http://schemas.microsoft.com/office/drawing/2014/main" id="{D3EF7A98-E950-40D2-9D44-46DB0111FC2A}"/>
+              </a:ext>
+            </a:extLst>
+          </p:cNvPr>
+          <p:cNvGrpSpPr/>
+          <p:nvPr/>
+        </p:nvGrpSpPr>
+        <p:grpSpPr>
+          <a:xfrm>
+            <a:off x="4965764" y="2771427"/>
+            <a:ext cx="2260461" cy="945813"/>
+            <a:chOff x="4965769" y="2483187"/>
+            <a:chExt cx="2260461" cy="945813"/>
+          </a:xfrm>
+        </p:grpSpPr>
+        <p:sp>
+          <p:nvSpPr>
+            <p:cNvPr id="3" name="Rectangle 2">
+              <a:extLst>
+                <a:ext uri="{FF2B5EF4-FFF2-40B4-BE49-F238E27FC236}">
+                  <a16:creationId xmlns:a16="http://schemas.microsoft.com/office/drawing/2014/main" id="{ACB747B6-EC44-49D7-AC5D-1616EAB2D920}"/>
+                </a:ext>
+              </a:extLst>
+            </p:cNvPr>
+            <p:cNvSpPr/>
+            <p:nvPr/>
+          </p:nvSpPr>
+          <p:spPr>
+            <a:xfrm>
+              <a:off x="4965769" y="2483187"/>
+              <a:ext cx="2260461" cy="307777"/>
+            </a:xfrm>
+            <a:prstGeom prst="rect">
+              <a:avLst/>
+            </a:prstGeom>
+            <a:noFill/>
+          </p:spPr>
+          <p:txBody>
+            <a:bodyPr wrap="square" lIns="91440" tIns="45720" rIns="91440" bIns="45720">
+              <a:spAutoFit/>
+            </a:bodyPr>
+            <a:lstStyle/>
+            <a:p>
+              <a:pPr algn="ctr"/>
+              <a:r>
+                <a:rPr lang="en-US" sz="1400" b="0" i="0" dirty="0">
+                  <a:solidFill>
+                    <a:srgbClr val="383651"/>
+                  </a:solidFill>
+                  <a:effectLst/>
+                  <a:latin typeface="Inter Medium" panose="02000503000000020004" pitchFamily="2" charset="0"/>
+                  <a:ea typeface="Inter Medium" panose="02000503000000020004" pitchFamily="2" charset="0"/>
+                </a:rPr>
+                <a:t>Bagian </a:t>
               </a:r>
               <a:r>
-                <a:rPr lang="en-US" sz="4000" cap="none" spc="0" dirty="0">
+                <a:rPr lang="en-US" sz="1400" dirty="0">
+                  <a:solidFill>
+                    <a:srgbClr val="383651"/>
+                  </a:solidFill>
+                  <a:latin typeface="Inter Medium" panose="02000503000000020004" pitchFamily="2" charset="0"/>
+                  <a:ea typeface="Inter Medium" panose="02000503000000020004" pitchFamily="2" charset="0"/>
+                </a:rPr>
+                <a:t>V</a:t>
+              </a:r>
+              <a:endParaRPr lang="en-US" sz="1400" cap="none" spc="0" dirty="0">
+                <a:ln w="0"/>
+                <a:solidFill>
+                  <a:srgbClr val="383651"/>
+                </a:solidFill>
+                <a:latin typeface="Inter Medium" panose="02000503000000020004" pitchFamily="2" charset="0"/>
+                <a:ea typeface="Inter Medium" panose="02000503000000020004" pitchFamily="2" charset="0"/>
+              </a:endParaRPr>
+            </a:p>
+          </p:txBody>
+        </p:sp>
+        <p:sp>
+          <p:nvSpPr>
+            <p:cNvPr id="4" name="Rectangle 3">
+              <a:extLst>
+                <a:ext uri="{FF2B5EF4-FFF2-40B4-BE49-F238E27FC236}">
+                  <a16:creationId xmlns:a16="http://schemas.microsoft.com/office/drawing/2014/main" id="{D65C8C26-76B5-4481-8C13-EB84506D9402}"/>
+                </a:ext>
+              </a:extLst>
+            </p:cNvPr>
+            <p:cNvSpPr/>
+            <p:nvPr/>
+          </p:nvSpPr>
+          <p:spPr>
+            <a:xfrm>
+              <a:off x="4976961" y="2721114"/>
+              <a:ext cx="2238113" cy="707886"/>
+            </a:xfrm>
+            <a:prstGeom prst="rect">
+              <a:avLst/>
+            </a:prstGeom>
+            <a:noFill/>
+          </p:spPr>
+          <p:txBody>
+            <a:bodyPr wrap="none" lIns="91440" tIns="45720" rIns="91440" bIns="45720">
+              <a:spAutoFit/>
+            </a:bodyPr>
+            <a:lstStyle>
+              <a:defPPr>
+                <a:defRPr lang="en-US"/>
+              </a:defPPr>
+              <a:lvl1pPr marL="0" algn="l" defTabSz="914400" rtl="0" eaLnBrk="1" latinLnBrk="0" hangingPunct="1">
+                <a:defRPr sz="1800" kern="1200">
+                  <a:solidFill>
+                    <a:schemeClr val="tx1"/>
+                  </a:solidFill>
+                  <a:latin typeface="+mn-lt"/>
+                  <a:ea typeface="+mn-ea"/>
+                  <a:cs typeface="+mn-cs"/>
+                </a:defRPr>
+              </a:lvl1pPr>
+              <a:lvl2pPr marL="457200" algn="l" defTabSz="914400" rtl="0" eaLnBrk="1" latinLnBrk="0" hangingPunct="1">
+                <a:defRPr sz="1800" kern="1200">
+                  <a:solidFill>
+                    <a:schemeClr val="tx1"/>
+                  </a:solidFill>
+                  <a:latin typeface="+mn-lt"/>
+                  <a:ea typeface="+mn-ea"/>
+                  <a:cs typeface="+mn-cs"/>
+                </a:defRPr>
+              </a:lvl2pPr>
+              <a:lvl3pPr marL="914400" algn="l" defTabSz="914400" rtl="0" eaLnBrk="1" latinLnBrk="0" hangingPunct="1">
+                <a:defRPr sz="1800" kern="1200">
+                  <a:solidFill>
+                    <a:schemeClr val="tx1"/>
+                  </a:solidFill>
+                  <a:latin typeface="+mn-lt"/>
+                  <a:ea typeface="+mn-ea"/>
+                  <a:cs typeface="+mn-cs"/>
+                </a:defRPr>
+              </a:lvl3pPr>
+              <a:lvl4pPr marL="1371600" algn="l" defTabSz="914400" rtl="0" eaLnBrk="1" latinLnBrk="0" hangingPunct="1">
+                <a:defRPr sz="1800" kern="1200">
+                  <a:solidFill>
+                    <a:schemeClr val="tx1"/>
+                  </a:solidFill>
+                  <a:latin typeface="+mn-lt"/>
+                  <a:ea typeface="+mn-ea"/>
+                  <a:cs typeface="+mn-cs"/>
+                </a:defRPr>
+              </a:lvl4pPr>
+              <a:lvl5pPr marL="1828800" algn="l" defTabSz="914400" rtl="0" eaLnBrk="1" latinLnBrk="0" hangingPunct="1">
+                <a:defRPr sz="1800" kern="1200">
+                  <a:solidFill>
+                    <a:schemeClr val="tx1"/>
+                  </a:solidFill>
+                  <a:latin typeface="+mn-lt"/>
+                  <a:ea typeface="+mn-ea"/>
+                  <a:cs typeface="+mn-cs"/>
+                </a:defRPr>
+              </a:lvl5pPr>
+              <a:lvl6pPr marL="2286000" algn="l" defTabSz="914400" rtl="0" eaLnBrk="1" latinLnBrk="0" hangingPunct="1">
+                <a:defRPr sz="1800" kern="1200">
+                  <a:solidFill>
+                    <a:schemeClr val="tx1"/>
+                  </a:solidFill>
+                  <a:latin typeface="+mn-lt"/>
+                  <a:ea typeface="+mn-ea"/>
+                  <a:cs typeface="+mn-cs"/>
+                </a:defRPr>
+              </a:lvl6pPr>
+              <a:lvl7pPr marL="2743200" algn="l" defTabSz="914400" rtl="0" eaLnBrk="1" latinLnBrk="0" hangingPunct="1">
+                <a:defRPr sz="1800" kern="1200">
+                  <a:solidFill>
+                    <a:schemeClr val="tx1"/>
+                  </a:solidFill>
+                  <a:latin typeface="+mn-lt"/>
+                  <a:ea typeface="+mn-ea"/>
+                  <a:cs typeface="+mn-cs"/>
+                </a:defRPr>
+              </a:lvl7pPr>
+              <a:lvl8pPr marL="3200400" algn="l" defTabSz="914400" rtl="0" eaLnBrk="1" latinLnBrk="0" hangingPunct="1">
+                <a:defRPr sz="1800" kern="1200">
+                  <a:solidFill>
+                    <a:schemeClr val="tx1"/>
+                  </a:solidFill>
+                  <a:latin typeface="+mn-lt"/>
+                  <a:ea typeface="+mn-ea"/>
+                  <a:cs typeface="+mn-cs"/>
+                </a:defRPr>
+              </a:lvl8pPr>
+              <a:lvl9pPr marL="3657600" algn="l" defTabSz="914400" rtl="0" eaLnBrk="1" latinLnBrk="0" hangingPunct="1">
+                <a:defRPr sz="1800" kern="1200">
+                  <a:solidFill>
+                    <a:schemeClr val="tx1"/>
+                  </a:solidFill>
+                  <a:latin typeface="+mn-lt"/>
+                  <a:ea typeface="+mn-ea"/>
+                  <a:cs typeface="+mn-cs"/>
+                </a:defRPr>
+              </a:lvl9pPr>
+            </a:lstStyle>
+            <a:p>
+              <a:pPr algn="ctr"/>
+              <a:r>
+                <a:rPr lang="en-US" sz="4000" dirty="0" err="1">
                   <a:ln w="0"/>
                   <a:solidFill>
                     <a:srgbClr val="383651"/>
@@ -14084,21 +14942,7 @@
                   <a:latin typeface="Inter Medium" panose="02000503000000020004" pitchFamily="2" charset="0"/>
                   <a:ea typeface="Inter Medium" panose="02000503000000020004" pitchFamily="2" charset="0"/>
                 </a:rPr>
-                <a:t> Program</a:t>
-              </a:r>
-            </a:p>
-            <a:p>
-              <a:pPr algn="ctr"/>
-              <a:r>
-                <a:rPr lang="en-US" sz="2400" dirty="0">
-                  <a:ln w="0"/>
-                  <a:solidFill>
-                    <a:srgbClr val="383651"/>
-                  </a:solidFill>
-                  <a:latin typeface="Inter Medium" panose="02000503000000020004" pitchFamily="2" charset="0"/>
-                  <a:ea typeface="Inter Medium" panose="02000503000000020004" pitchFamily="2" charset="0"/>
-                </a:rPr>
-                <a:t>ERD dan LRS</a:t>
+                <a:t>Penutup</a:t>
               </a:r>
               <a:endParaRPr lang="en-US" sz="2400" cap="none" spc="0" dirty="0">
                 <a:ln w="0"/>
@@ -14115,7 +14959,1068 @@
     </p:spTree>
     <p:extLst>
       <p:ext uri="{BB962C8B-B14F-4D97-AF65-F5344CB8AC3E}">
-        <p14:creationId xmlns:p14="http://schemas.microsoft.com/office/powerpoint/2010/main" val="1382348620"/>
+        <p14:creationId xmlns:p14="http://schemas.microsoft.com/office/powerpoint/2010/main" val="1023629737"/>
+      </p:ext>
+    </p:extLst>
+  </p:cSld>
+  <p:clrMapOvr>
+    <a:masterClrMapping/>
+  </p:clrMapOvr>
+  <mc:AlternateContent xmlns:mc="http://schemas.openxmlformats.org/markup-compatibility/2006" xmlns:p159="http://schemas.microsoft.com/office/powerpoint/2015/09/main">
+    <mc:Choice Requires="p159">
+      <p:transition xmlns:p14="http://schemas.microsoft.com/office/powerpoint/2010/main" spd="slow" p14:dur="2000">
+        <p159:morph option="byObject"/>
+      </p:transition>
+    </mc:Choice>
+    <mc:Fallback xmlns="">
+      <p:transition spd="slow">
+        <p:fade/>
+      </p:transition>
+    </mc:Fallback>
+  </mc:AlternateContent>
+</p:sld>
+</file>
+
+<file path=ppt/slides/slide29.xml><?xml version="1.0" encoding="utf-8"?>
+<p:sld xmlns:a="http://schemas.openxmlformats.org/drawingml/2006/main" xmlns:r="http://schemas.openxmlformats.org/officeDocument/2006/relationships" xmlns:p="http://schemas.openxmlformats.org/presentationml/2006/main">
+  <p:cSld>
+    <p:spTree>
+      <p:nvGrpSpPr>
+        <p:cNvPr id="1" name=""/>
+        <p:cNvGrpSpPr/>
+        <p:nvPr/>
+      </p:nvGrpSpPr>
+      <p:grpSpPr>
+        <a:xfrm>
+          <a:off x="0" y="0"/>
+          <a:ext cx="0" cy="0"/>
+          <a:chOff x="0" y="0"/>
+          <a:chExt cx="0" cy="0"/>
+        </a:xfrm>
+      </p:grpSpPr>
+      <p:sp>
+        <p:nvSpPr>
+          <p:cNvPr id="5" name="Rectangle 4">
+            <a:extLst>
+              <a:ext uri="{FF2B5EF4-FFF2-40B4-BE49-F238E27FC236}">
+                <a16:creationId xmlns:a16="http://schemas.microsoft.com/office/drawing/2014/main" id="{D9AB594C-CDA6-4232-B475-972DF5B1BD76}"/>
+              </a:ext>
+            </a:extLst>
+          </p:cNvPr>
+          <p:cNvSpPr/>
+          <p:nvPr/>
+        </p:nvSpPr>
+        <p:spPr>
+          <a:xfrm>
+            <a:off x="822608" y="1182384"/>
+            <a:ext cx="2744662" cy="646331"/>
+          </a:xfrm>
+          <a:prstGeom prst="rect">
+            <a:avLst/>
+          </a:prstGeom>
+          <a:noFill/>
+        </p:spPr>
+        <p:txBody>
+          <a:bodyPr wrap="none" lIns="91440" tIns="45720" rIns="91440" bIns="45720">
+            <a:spAutoFit/>
+          </a:bodyPr>
+          <a:lstStyle>
+            <a:defPPr>
+              <a:defRPr lang="en-US"/>
+            </a:defPPr>
+            <a:lvl1pPr marL="0" algn="l" defTabSz="914400" rtl="0" eaLnBrk="1" latinLnBrk="0" hangingPunct="1">
+              <a:defRPr sz="1800" kern="1200">
+                <a:solidFill>
+                  <a:schemeClr val="tx1"/>
+                </a:solidFill>
+                <a:latin typeface="+mn-lt"/>
+                <a:ea typeface="+mn-ea"/>
+                <a:cs typeface="+mn-cs"/>
+              </a:defRPr>
+            </a:lvl1pPr>
+            <a:lvl2pPr marL="457200" algn="l" defTabSz="914400" rtl="0" eaLnBrk="1" latinLnBrk="0" hangingPunct="1">
+              <a:defRPr sz="1800" kern="1200">
+                <a:solidFill>
+                  <a:schemeClr val="tx1"/>
+                </a:solidFill>
+                <a:latin typeface="+mn-lt"/>
+                <a:ea typeface="+mn-ea"/>
+                <a:cs typeface="+mn-cs"/>
+              </a:defRPr>
+            </a:lvl2pPr>
+            <a:lvl3pPr marL="914400" algn="l" defTabSz="914400" rtl="0" eaLnBrk="1" latinLnBrk="0" hangingPunct="1">
+              <a:defRPr sz="1800" kern="1200">
+                <a:solidFill>
+                  <a:schemeClr val="tx1"/>
+                </a:solidFill>
+                <a:latin typeface="+mn-lt"/>
+                <a:ea typeface="+mn-ea"/>
+                <a:cs typeface="+mn-cs"/>
+              </a:defRPr>
+            </a:lvl3pPr>
+            <a:lvl4pPr marL="1371600" algn="l" defTabSz="914400" rtl="0" eaLnBrk="1" latinLnBrk="0" hangingPunct="1">
+              <a:defRPr sz="1800" kern="1200">
+                <a:solidFill>
+                  <a:schemeClr val="tx1"/>
+                </a:solidFill>
+                <a:latin typeface="+mn-lt"/>
+                <a:ea typeface="+mn-ea"/>
+                <a:cs typeface="+mn-cs"/>
+              </a:defRPr>
+            </a:lvl4pPr>
+            <a:lvl5pPr marL="1828800" algn="l" defTabSz="914400" rtl="0" eaLnBrk="1" latinLnBrk="0" hangingPunct="1">
+              <a:defRPr sz="1800" kern="1200">
+                <a:solidFill>
+                  <a:schemeClr val="tx1"/>
+                </a:solidFill>
+                <a:latin typeface="+mn-lt"/>
+                <a:ea typeface="+mn-ea"/>
+                <a:cs typeface="+mn-cs"/>
+              </a:defRPr>
+            </a:lvl5pPr>
+            <a:lvl6pPr marL="2286000" algn="l" defTabSz="914400" rtl="0" eaLnBrk="1" latinLnBrk="0" hangingPunct="1">
+              <a:defRPr sz="1800" kern="1200">
+                <a:solidFill>
+                  <a:schemeClr val="tx1"/>
+                </a:solidFill>
+                <a:latin typeface="+mn-lt"/>
+                <a:ea typeface="+mn-ea"/>
+                <a:cs typeface="+mn-cs"/>
+              </a:defRPr>
+            </a:lvl6pPr>
+            <a:lvl7pPr marL="2743200" algn="l" defTabSz="914400" rtl="0" eaLnBrk="1" latinLnBrk="0" hangingPunct="1">
+              <a:defRPr sz="1800" kern="1200">
+                <a:solidFill>
+                  <a:schemeClr val="tx1"/>
+                </a:solidFill>
+                <a:latin typeface="+mn-lt"/>
+                <a:ea typeface="+mn-ea"/>
+                <a:cs typeface="+mn-cs"/>
+              </a:defRPr>
+            </a:lvl7pPr>
+            <a:lvl8pPr marL="3200400" algn="l" defTabSz="914400" rtl="0" eaLnBrk="1" latinLnBrk="0" hangingPunct="1">
+              <a:defRPr sz="1800" kern="1200">
+                <a:solidFill>
+                  <a:schemeClr val="tx1"/>
+                </a:solidFill>
+                <a:latin typeface="+mn-lt"/>
+                <a:ea typeface="+mn-ea"/>
+                <a:cs typeface="+mn-cs"/>
+              </a:defRPr>
+            </a:lvl8pPr>
+            <a:lvl9pPr marL="3657600" algn="l" defTabSz="914400" rtl="0" eaLnBrk="1" latinLnBrk="0" hangingPunct="1">
+              <a:defRPr sz="1800" kern="1200">
+                <a:solidFill>
+                  <a:schemeClr val="tx1"/>
+                </a:solidFill>
+                <a:latin typeface="+mn-lt"/>
+                <a:ea typeface="+mn-ea"/>
+                <a:cs typeface="+mn-cs"/>
+              </a:defRPr>
+            </a:lvl9pPr>
+          </a:lstStyle>
+          <a:p>
+            <a:r>
+              <a:rPr lang="en-US" sz="3600" cap="none" spc="0" dirty="0">
+                <a:ln w="0"/>
+                <a:solidFill>
+                  <a:srgbClr val="383651"/>
+                </a:solidFill>
+                <a:latin typeface="Inter Medium" panose="02000503000000020004" pitchFamily="2" charset="0"/>
+                <a:ea typeface="Inter Medium" panose="02000503000000020004" pitchFamily="2" charset="0"/>
+              </a:rPr>
+              <a:t>Kesimpulan</a:t>
+            </a:r>
+          </a:p>
+        </p:txBody>
+      </p:sp>
+      <p:sp>
+        <p:nvSpPr>
+          <p:cNvPr id="6" name="Rectangle 5">
+            <a:extLst>
+              <a:ext uri="{FF2B5EF4-FFF2-40B4-BE49-F238E27FC236}">
+                <a16:creationId xmlns:a16="http://schemas.microsoft.com/office/drawing/2014/main" id="{F9C2E717-5430-44BD-BFE2-8110D7A22B75}"/>
+              </a:ext>
+            </a:extLst>
+          </p:cNvPr>
+          <p:cNvSpPr/>
+          <p:nvPr/>
+        </p:nvSpPr>
+        <p:spPr>
+          <a:xfrm>
+            <a:off x="822608" y="1828715"/>
+            <a:ext cx="10497623" cy="3785652"/>
+          </a:xfrm>
+          <a:prstGeom prst="rect">
+            <a:avLst/>
+          </a:prstGeom>
+          <a:noFill/>
+        </p:spPr>
+        <p:txBody>
+          <a:bodyPr wrap="square" lIns="91440" tIns="45720" rIns="91440" bIns="45720">
+            <a:spAutoFit/>
+          </a:bodyPr>
+          <a:lstStyle>
+            <a:defPPr>
+              <a:defRPr lang="en-US"/>
+            </a:defPPr>
+            <a:lvl1pPr marL="0" algn="l" defTabSz="914400" rtl="0" eaLnBrk="1" latinLnBrk="0" hangingPunct="1">
+              <a:defRPr sz="1800" kern="1200">
+                <a:solidFill>
+                  <a:schemeClr val="tx1"/>
+                </a:solidFill>
+                <a:latin typeface="+mn-lt"/>
+                <a:ea typeface="+mn-ea"/>
+                <a:cs typeface="+mn-cs"/>
+              </a:defRPr>
+            </a:lvl1pPr>
+            <a:lvl2pPr marL="457200" algn="l" defTabSz="914400" rtl="0" eaLnBrk="1" latinLnBrk="0" hangingPunct="1">
+              <a:defRPr sz="1800" kern="1200">
+                <a:solidFill>
+                  <a:schemeClr val="tx1"/>
+                </a:solidFill>
+                <a:latin typeface="+mn-lt"/>
+                <a:ea typeface="+mn-ea"/>
+                <a:cs typeface="+mn-cs"/>
+              </a:defRPr>
+            </a:lvl2pPr>
+            <a:lvl3pPr marL="914400" algn="l" defTabSz="914400" rtl="0" eaLnBrk="1" latinLnBrk="0" hangingPunct="1">
+              <a:defRPr sz="1800" kern="1200">
+                <a:solidFill>
+                  <a:schemeClr val="tx1"/>
+                </a:solidFill>
+                <a:latin typeface="+mn-lt"/>
+                <a:ea typeface="+mn-ea"/>
+                <a:cs typeface="+mn-cs"/>
+              </a:defRPr>
+            </a:lvl3pPr>
+            <a:lvl4pPr marL="1371600" algn="l" defTabSz="914400" rtl="0" eaLnBrk="1" latinLnBrk="0" hangingPunct="1">
+              <a:defRPr sz="1800" kern="1200">
+                <a:solidFill>
+                  <a:schemeClr val="tx1"/>
+                </a:solidFill>
+                <a:latin typeface="+mn-lt"/>
+                <a:ea typeface="+mn-ea"/>
+                <a:cs typeface="+mn-cs"/>
+              </a:defRPr>
+            </a:lvl4pPr>
+            <a:lvl5pPr marL="1828800" algn="l" defTabSz="914400" rtl="0" eaLnBrk="1" latinLnBrk="0" hangingPunct="1">
+              <a:defRPr sz="1800" kern="1200">
+                <a:solidFill>
+                  <a:schemeClr val="tx1"/>
+                </a:solidFill>
+                <a:latin typeface="+mn-lt"/>
+                <a:ea typeface="+mn-ea"/>
+                <a:cs typeface="+mn-cs"/>
+              </a:defRPr>
+            </a:lvl5pPr>
+            <a:lvl6pPr marL="2286000" algn="l" defTabSz="914400" rtl="0" eaLnBrk="1" latinLnBrk="0" hangingPunct="1">
+              <a:defRPr sz="1800" kern="1200">
+                <a:solidFill>
+                  <a:schemeClr val="tx1"/>
+                </a:solidFill>
+                <a:latin typeface="+mn-lt"/>
+                <a:ea typeface="+mn-ea"/>
+                <a:cs typeface="+mn-cs"/>
+              </a:defRPr>
+            </a:lvl6pPr>
+            <a:lvl7pPr marL="2743200" algn="l" defTabSz="914400" rtl="0" eaLnBrk="1" latinLnBrk="0" hangingPunct="1">
+              <a:defRPr sz="1800" kern="1200">
+                <a:solidFill>
+                  <a:schemeClr val="tx1"/>
+                </a:solidFill>
+                <a:latin typeface="+mn-lt"/>
+                <a:ea typeface="+mn-ea"/>
+                <a:cs typeface="+mn-cs"/>
+              </a:defRPr>
+            </a:lvl7pPr>
+            <a:lvl8pPr marL="3200400" algn="l" defTabSz="914400" rtl="0" eaLnBrk="1" latinLnBrk="0" hangingPunct="1">
+              <a:defRPr sz="1800" kern="1200">
+                <a:solidFill>
+                  <a:schemeClr val="tx1"/>
+                </a:solidFill>
+                <a:latin typeface="+mn-lt"/>
+                <a:ea typeface="+mn-ea"/>
+                <a:cs typeface="+mn-cs"/>
+              </a:defRPr>
+            </a:lvl8pPr>
+            <a:lvl9pPr marL="3657600" algn="l" defTabSz="914400" rtl="0" eaLnBrk="1" latinLnBrk="0" hangingPunct="1">
+              <a:defRPr sz="1800" kern="1200">
+                <a:solidFill>
+                  <a:schemeClr val="tx1"/>
+                </a:solidFill>
+                <a:latin typeface="+mn-lt"/>
+                <a:ea typeface="+mn-ea"/>
+                <a:cs typeface="+mn-cs"/>
+              </a:defRPr>
+            </a:lvl9pPr>
+          </a:lstStyle>
+          <a:p>
+            <a:r>
+              <a:rPr lang="en-US" sz="2400" b="0" i="0" dirty="0">
+                <a:solidFill>
+                  <a:srgbClr val="374151"/>
+                </a:solidFill>
+                <a:effectLst/>
+                <a:latin typeface="Söhne"/>
+              </a:rPr>
+              <a:t>KeuanganKu </a:t>
+            </a:r>
+            <a:r>
+              <a:rPr lang="en-US" sz="2400" b="0" i="0" dirty="0" err="1">
+                <a:solidFill>
+                  <a:srgbClr val="374151"/>
+                </a:solidFill>
+                <a:effectLst/>
+                <a:latin typeface="Söhne"/>
+              </a:rPr>
+              <a:t>hadir</a:t>
+            </a:r>
+            <a:r>
+              <a:rPr lang="en-US" sz="2400" b="0" i="0" dirty="0">
+                <a:solidFill>
+                  <a:srgbClr val="374151"/>
+                </a:solidFill>
+                <a:effectLst/>
+                <a:latin typeface="Söhne"/>
+              </a:rPr>
+              <a:t> sebagai </a:t>
+            </a:r>
+            <a:r>
+              <a:rPr lang="en-US" sz="2400" b="0" i="0" dirty="0" err="1">
+                <a:solidFill>
+                  <a:srgbClr val="374151"/>
+                </a:solidFill>
+                <a:effectLst/>
+                <a:latin typeface="Söhne"/>
+              </a:rPr>
+              <a:t>solusi</a:t>
+            </a:r>
+            <a:r>
+              <a:rPr lang="en-US" sz="2400" b="0" i="0" dirty="0">
+                <a:solidFill>
+                  <a:srgbClr val="374151"/>
+                </a:solidFill>
+                <a:effectLst/>
+                <a:latin typeface="Söhne"/>
+              </a:rPr>
+              <a:t> </a:t>
+            </a:r>
+            <a:r>
+              <a:rPr lang="en-US" sz="2400" b="0" i="0" dirty="0" err="1">
+                <a:solidFill>
+                  <a:srgbClr val="374151"/>
+                </a:solidFill>
+                <a:effectLst/>
+                <a:latin typeface="Söhne"/>
+              </a:rPr>
+              <a:t>inovatif</a:t>
+            </a:r>
+            <a:r>
+              <a:rPr lang="en-US" sz="2400" b="0" i="0" dirty="0">
+                <a:solidFill>
+                  <a:srgbClr val="374151"/>
+                </a:solidFill>
+                <a:effectLst/>
+                <a:latin typeface="Söhne"/>
+              </a:rPr>
+              <a:t> untuk </a:t>
+            </a:r>
+            <a:r>
+              <a:rPr lang="en-US" sz="2400" b="0" i="0" dirty="0" err="1">
+                <a:solidFill>
+                  <a:srgbClr val="374151"/>
+                </a:solidFill>
+                <a:effectLst/>
+                <a:latin typeface="Söhne"/>
+              </a:rPr>
+              <a:t>membantu</a:t>
+            </a:r>
+            <a:r>
+              <a:rPr lang="en-US" sz="2400" b="0" i="0" dirty="0">
+                <a:solidFill>
+                  <a:srgbClr val="374151"/>
+                </a:solidFill>
+                <a:effectLst/>
+                <a:latin typeface="Söhne"/>
+              </a:rPr>
+              <a:t> </a:t>
+            </a:r>
+            <a:r>
+              <a:rPr lang="en-US" sz="2400" b="0" i="0" dirty="0" err="1">
+                <a:solidFill>
+                  <a:srgbClr val="374151"/>
+                </a:solidFill>
+                <a:effectLst/>
+                <a:latin typeface="Söhne"/>
+              </a:rPr>
+              <a:t>kita</a:t>
+            </a:r>
+            <a:r>
+              <a:rPr lang="en-US" sz="2400" b="0" i="0" dirty="0">
+                <a:solidFill>
+                  <a:srgbClr val="374151"/>
+                </a:solidFill>
+                <a:effectLst/>
+                <a:latin typeface="Söhne"/>
+              </a:rPr>
+              <a:t> </a:t>
+            </a:r>
+            <a:r>
+              <a:rPr lang="en-US" sz="2400" b="0" i="0" dirty="0" err="1">
+                <a:solidFill>
+                  <a:srgbClr val="374151"/>
+                </a:solidFill>
+                <a:effectLst/>
+                <a:latin typeface="Söhne"/>
+              </a:rPr>
+              <a:t>mengelola</a:t>
+            </a:r>
+            <a:r>
+              <a:rPr lang="en-US" sz="2400" b="0" i="0" dirty="0">
+                <a:solidFill>
+                  <a:srgbClr val="374151"/>
+                </a:solidFill>
+                <a:effectLst/>
+                <a:latin typeface="Söhne"/>
+              </a:rPr>
+              <a:t> </a:t>
+            </a:r>
+            <a:r>
+              <a:rPr lang="en-US" sz="2400" b="0" i="0" dirty="0" err="1">
+                <a:solidFill>
+                  <a:srgbClr val="374151"/>
+                </a:solidFill>
+                <a:effectLst/>
+                <a:latin typeface="Söhne"/>
+              </a:rPr>
+              <a:t>keuangan</a:t>
+            </a:r>
+            <a:r>
+              <a:rPr lang="en-US" sz="2400" b="0" i="0" dirty="0">
+                <a:solidFill>
+                  <a:srgbClr val="374151"/>
+                </a:solidFill>
+                <a:effectLst/>
+                <a:latin typeface="Söhne"/>
+              </a:rPr>
+              <a:t> </a:t>
+            </a:r>
+            <a:r>
+              <a:rPr lang="en-US" sz="2400" b="0" i="0" dirty="0" err="1">
+                <a:solidFill>
+                  <a:srgbClr val="374151"/>
+                </a:solidFill>
+                <a:effectLst/>
+                <a:latin typeface="Söhne"/>
+              </a:rPr>
+              <a:t>dengan</a:t>
+            </a:r>
+            <a:r>
+              <a:rPr lang="en-US" sz="2400" b="0" i="0" dirty="0">
+                <a:solidFill>
+                  <a:srgbClr val="374151"/>
+                </a:solidFill>
+                <a:effectLst/>
+                <a:latin typeface="Söhne"/>
+              </a:rPr>
+              <a:t> lebih </a:t>
+            </a:r>
+            <a:r>
+              <a:rPr lang="en-US" sz="2400" b="0" i="0" dirty="0" err="1">
+                <a:solidFill>
+                  <a:srgbClr val="374151"/>
+                </a:solidFill>
+                <a:effectLst/>
+                <a:latin typeface="Söhne"/>
+              </a:rPr>
+              <a:t>efisien</a:t>
+            </a:r>
+            <a:r>
+              <a:rPr lang="en-US" sz="2400" b="0" i="0" dirty="0">
+                <a:solidFill>
+                  <a:srgbClr val="374151"/>
+                </a:solidFill>
+                <a:effectLst/>
+                <a:latin typeface="Söhne"/>
+              </a:rPr>
+              <a:t>.</a:t>
+            </a:r>
+          </a:p>
+          <a:p>
+            <a:endParaRPr lang="en-US" sz="2400" dirty="0">
+              <a:solidFill>
+                <a:srgbClr val="374151"/>
+              </a:solidFill>
+              <a:latin typeface="Söhne"/>
+            </a:endParaRPr>
+          </a:p>
+          <a:p>
+            <a:r>
+              <a:rPr lang="en-US" sz="2400" b="0" i="0" dirty="0" err="1">
+                <a:solidFill>
+                  <a:srgbClr val="374151"/>
+                </a:solidFill>
+                <a:effectLst/>
+                <a:latin typeface="Söhne"/>
+              </a:rPr>
+              <a:t>Dengan</a:t>
+            </a:r>
+            <a:r>
+              <a:rPr lang="en-US" sz="2400" b="0" i="0" dirty="0">
+                <a:solidFill>
+                  <a:srgbClr val="374151"/>
+                </a:solidFill>
+                <a:effectLst/>
+                <a:latin typeface="Söhne"/>
+              </a:rPr>
+              <a:t> </a:t>
+            </a:r>
+            <a:r>
+              <a:rPr lang="en-US" sz="2400" b="0" i="0" dirty="0" err="1">
+                <a:solidFill>
+                  <a:srgbClr val="374151"/>
+                </a:solidFill>
+                <a:effectLst/>
+                <a:latin typeface="Söhne"/>
+              </a:rPr>
+              <a:t>berbagai</a:t>
+            </a:r>
+            <a:r>
+              <a:rPr lang="en-US" sz="2400" b="0" i="0" dirty="0">
+                <a:solidFill>
+                  <a:srgbClr val="374151"/>
+                </a:solidFill>
+                <a:effectLst/>
+                <a:latin typeface="Söhne"/>
+              </a:rPr>
+              <a:t> </a:t>
+            </a:r>
+            <a:r>
+              <a:rPr lang="en-US" sz="2400" b="0" i="0" dirty="0" err="1">
+                <a:solidFill>
+                  <a:srgbClr val="374151"/>
+                </a:solidFill>
+                <a:effectLst/>
+                <a:latin typeface="Söhne"/>
+              </a:rPr>
+              <a:t>fitur</a:t>
+            </a:r>
+            <a:r>
+              <a:rPr lang="en-US" sz="2400" b="0" i="0" dirty="0">
+                <a:solidFill>
+                  <a:srgbClr val="374151"/>
+                </a:solidFill>
+                <a:effectLst/>
+                <a:latin typeface="Söhne"/>
+              </a:rPr>
+              <a:t> </a:t>
+            </a:r>
+            <a:r>
+              <a:rPr lang="en-US" sz="2400" b="0" i="0" dirty="0" err="1">
+                <a:solidFill>
+                  <a:srgbClr val="374151"/>
+                </a:solidFill>
+                <a:effectLst/>
+                <a:latin typeface="Söhne"/>
+              </a:rPr>
+              <a:t>unggulan</a:t>
+            </a:r>
+            <a:r>
+              <a:rPr lang="en-US" sz="2400" b="0" i="0" dirty="0">
+                <a:solidFill>
+                  <a:srgbClr val="374151"/>
+                </a:solidFill>
+                <a:effectLst/>
+                <a:latin typeface="Söhne"/>
+              </a:rPr>
+              <a:t>, platform ini </a:t>
+            </a:r>
+            <a:r>
+              <a:rPr lang="en-US" sz="2400" b="0" i="0" dirty="0" err="1">
+                <a:solidFill>
+                  <a:srgbClr val="374151"/>
+                </a:solidFill>
+                <a:effectLst/>
+                <a:latin typeface="Söhne"/>
+              </a:rPr>
+              <a:t>dirancang</a:t>
+            </a:r>
+            <a:r>
+              <a:rPr lang="en-US" sz="2400" b="0" i="0" dirty="0">
+                <a:solidFill>
+                  <a:srgbClr val="374151"/>
+                </a:solidFill>
+                <a:effectLst/>
+                <a:latin typeface="Söhne"/>
+              </a:rPr>
+              <a:t> </a:t>
+            </a:r>
+            <a:r>
+              <a:rPr lang="en-US" sz="2400" b="0" i="0" dirty="0" err="1">
+                <a:solidFill>
+                  <a:srgbClr val="374151"/>
+                </a:solidFill>
+                <a:effectLst/>
+                <a:latin typeface="Söhne"/>
+              </a:rPr>
+              <a:t>khusus</a:t>
+            </a:r>
+            <a:r>
+              <a:rPr lang="en-US" sz="2400" b="0" i="0" dirty="0">
+                <a:solidFill>
+                  <a:srgbClr val="374151"/>
+                </a:solidFill>
+                <a:effectLst/>
+                <a:latin typeface="Söhne"/>
+              </a:rPr>
+              <a:t> untuk </a:t>
+            </a:r>
+            <a:r>
+              <a:rPr lang="en-US" sz="2400" b="0" i="0" dirty="0" err="1">
+                <a:solidFill>
+                  <a:srgbClr val="374151"/>
+                </a:solidFill>
+                <a:effectLst/>
+                <a:latin typeface="Söhne"/>
+              </a:rPr>
+              <a:t>mempermudah</a:t>
+            </a:r>
+            <a:r>
+              <a:rPr lang="en-US" sz="2400" b="0" i="0" dirty="0">
+                <a:solidFill>
+                  <a:srgbClr val="374151"/>
+                </a:solidFill>
+                <a:effectLst/>
+                <a:latin typeface="Söhne"/>
+              </a:rPr>
+              <a:t> </a:t>
+            </a:r>
+            <a:r>
+              <a:rPr lang="en-US" sz="2400" b="0" i="0" dirty="0" err="1">
+                <a:solidFill>
+                  <a:srgbClr val="374151"/>
+                </a:solidFill>
+                <a:effectLst/>
+                <a:latin typeface="Söhne"/>
+              </a:rPr>
+              <a:t>perencanaan</a:t>
+            </a:r>
+            <a:r>
+              <a:rPr lang="en-US" sz="2400" b="0" i="0" dirty="0">
+                <a:solidFill>
+                  <a:srgbClr val="374151"/>
+                </a:solidFill>
+                <a:effectLst/>
+                <a:latin typeface="Söhne"/>
+              </a:rPr>
+              <a:t>, </a:t>
+            </a:r>
+            <a:r>
+              <a:rPr lang="en-US" sz="2400" b="0" i="0" dirty="0" err="1">
+                <a:solidFill>
+                  <a:srgbClr val="374151"/>
+                </a:solidFill>
+                <a:effectLst/>
+                <a:latin typeface="Söhne"/>
+              </a:rPr>
+              <a:t>pemantauan</a:t>
+            </a:r>
+            <a:r>
+              <a:rPr lang="en-US" sz="2400" b="0" i="0" dirty="0">
+                <a:solidFill>
+                  <a:srgbClr val="374151"/>
+                </a:solidFill>
+                <a:effectLst/>
+                <a:latin typeface="Söhne"/>
+              </a:rPr>
+              <a:t>, dan </a:t>
+            </a:r>
+            <a:r>
+              <a:rPr lang="en-US" sz="2400" b="0" i="0" dirty="0" err="1">
+                <a:solidFill>
+                  <a:srgbClr val="374151"/>
+                </a:solidFill>
+                <a:effectLst/>
+                <a:latin typeface="Söhne"/>
+              </a:rPr>
+              <a:t>optimalisasi</a:t>
+            </a:r>
+            <a:r>
+              <a:rPr lang="en-US" sz="2400" b="0" i="0" dirty="0">
+                <a:solidFill>
+                  <a:srgbClr val="374151"/>
+                </a:solidFill>
+                <a:effectLst/>
+                <a:latin typeface="Söhne"/>
+              </a:rPr>
+              <a:t> </a:t>
+            </a:r>
+            <a:r>
+              <a:rPr lang="en-US" sz="2400" b="0" i="0" dirty="0" err="1">
+                <a:solidFill>
+                  <a:srgbClr val="374151"/>
+                </a:solidFill>
+                <a:effectLst/>
+                <a:latin typeface="Söhne"/>
+              </a:rPr>
+              <a:t>segala</a:t>
+            </a:r>
+            <a:r>
+              <a:rPr lang="en-US" sz="2400" b="0" i="0" dirty="0">
+                <a:solidFill>
+                  <a:srgbClr val="374151"/>
+                </a:solidFill>
+                <a:effectLst/>
+                <a:latin typeface="Söhne"/>
+              </a:rPr>
+              <a:t> </a:t>
+            </a:r>
+            <a:r>
+              <a:rPr lang="en-US" sz="2400" b="0" i="0" dirty="0" err="1">
+                <a:solidFill>
+                  <a:srgbClr val="374151"/>
+                </a:solidFill>
+                <a:effectLst/>
+                <a:latin typeface="Söhne"/>
+              </a:rPr>
+              <a:t>aspek</a:t>
+            </a:r>
+            <a:r>
+              <a:rPr lang="en-US" sz="2400" b="0" i="0" dirty="0">
+                <a:solidFill>
+                  <a:srgbClr val="374151"/>
+                </a:solidFill>
+                <a:effectLst/>
+                <a:latin typeface="Söhne"/>
+              </a:rPr>
+              <a:t> </a:t>
+            </a:r>
+            <a:r>
+              <a:rPr lang="en-US" sz="2400" b="0" i="0" dirty="0" err="1">
+                <a:solidFill>
+                  <a:srgbClr val="374151"/>
+                </a:solidFill>
+                <a:effectLst/>
+                <a:latin typeface="Söhne"/>
+              </a:rPr>
+              <a:t>keuangan</a:t>
+            </a:r>
+            <a:r>
+              <a:rPr lang="en-US" sz="2400" b="0" i="0" dirty="0">
+                <a:solidFill>
+                  <a:srgbClr val="374151"/>
+                </a:solidFill>
+                <a:effectLst/>
+                <a:latin typeface="Söhne"/>
+              </a:rPr>
+              <a:t> Anda. </a:t>
+            </a:r>
+          </a:p>
+          <a:p>
+            <a:endParaRPr lang="en-US" sz="2400" dirty="0">
+              <a:solidFill>
+                <a:srgbClr val="374151"/>
+              </a:solidFill>
+              <a:latin typeface="Söhne"/>
+            </a:endParaRPr>
+          </a:p>
+          <a:p>
+            <a:r>
+              <a:rPr lang="en-US" sz="2400" b="0" i="0" dirty="0" err="1">
+                <a:solidFill>
+                  <a:srgbClr val="374151"/>
+                </a:solidFill>
+                <a:effectLst/>
+                <a:latin typeface="Söhne"/>
+              </a:rPr>
+              <a:t>Dengan</a:t>
+            </a:r>
+            <a:r>
+              <a:rPr lang="en-US" sz="2400" b="0" i="0" dirty="0">
+                <a:solidFill>
+                  <a:srgbClr val="374151"/>
+                </a:solidFill>
+                <a:effectLst/>
+                <a:latin typeface="Söhne"/>
+              </a:rPr>
+              <a:t> </a:t>
+            </a:r>
+            <a:r>
+              <a:rPr lang="en-US" sz="2400" b="0" i="0" dirty="0" err="1">
+                <a:solidFill>
+                  <a:srgbClr val="374151"/>
+                </a:solidFill>
+                <a:effectLst/>
+                <a:latin typeface="Söhne"/>
+              </a:rPr>
+              <a:t>menggunakan</a:t>
+            </a:r>
+            <a:r>
+              <a:rPr lang="en-US" sz="2400" b="0" i="0" dirty="0">
+                <a:solidFill>
+                  <a:srgbClr val="374151"/>
+                </a:solidFill>
+                <a:effectLst/>
+                <a:latin typeface="Söhne"/>
+              </a:rPr>
+              <a:t> KeuanganKu, Anda </a:t>
+            </a:r>
+            <a:r>
+              <a:rPr lang="en-US" sz="2400" b="0" i="0" dirty="0" err="1">
+                <a:solidFill>
+                  <a:srgbClr val="374151"/>
+                </a:solidFill>
+                <a:effectLst/>
+                <a:latin typeface="Söhne"/>
+              </a:rPr>
+              <a:t>dapat</a:t>
+            </a:r>
+            <a:r>
+              <a:rPr lang="en-US" sz="2400" b="0" i="0" dirty="0">
+                <a:solidFill>
+                  <a:srgbClr val="374151"/>
+                </a:solidFill>
+                <a:effectLst/>
+                <a:latin typeface="Söhne"/>
+              </a:rPr>
+              <a:t> </a:t>
+            </a:r>
+            <a:r>
+              <a:rPr lang="en-US" sz="2400" b="0" i="0" dirty="0" err="1">
+                <a:solidFill>
+                  <a:srgbClr val="374151"/>
+                </a:solidFill>
+                <a:effectLst/>
+                <a:latin typeface="Söhne"/>
+              </a:rPr>
+              <a:t>dengan</a:t>
+            </a:r>
+            <a:r>
+              <a:rPr lang="en-US" sz="2400" b="0" i="0" dirty="0">
+                <a:solidFill>
+                  <a:srgbClr val="374151"/>
+                </a:solidFill>
+                <a:effectLst/>
+                <a:latin typeface="Söhne"/>
+              </a:rPr>
+              <a:t> lebih </a:t>
+            </a:r>
+            <a:r>
+              <a:rPr lang="en-US" sz="2400" b="0" i="0" dirty="0" err="1">
+                <a:solidFill>
+                  <a:srgbClr val="374151"/>
+                </a:solidFill>
+                <a:effectLst/>
+                <a:latin typeface="Söhne"/>
+              </a:rPr>
+              <a:t>mudah</a:t>
+            </a:r>
+            <a:r>
+              <a:rPr lang="en-US" sz="2400" b="0" i="0" dirty="0">
+                <a:solidFill>
+                  <a:srgbClr val="374151"/>
+                </a:solidFill>
+                <a:effectLst/>
+                <a:latin typeface="Söhne"/>
+              </a:rPr>
+              <a:t> </a:t>
+            </a:r>
+            <a:r>
+              <a:rPr lang="en-US" sz="2400" b="0" i="0" dirty="0" err="1">
+                <a:solidFill>
+                  <a:srgbClr val="374151"/>
+                </a:solidFill>
+                <a:effectLst/>
+                <a:latin typeface="Söhne"/>
+              </a:rPr>
+              <a:t>mengontrol</a:t>
+            </a:r>
+            <a:r>
+              <a:rPr lang="en-US" sz="2400" b="0" i="0" dirty="0">
+                <a:solidFill>
+                  <a:srgbClr val="374151"/>
+                </a:solidFill>
+                <a:effectLst/>
+                <a:latin typeface="Söhne"/>
+              </a:rPr>
+              <a:t> dan </a:t>
+            </a:r>
+            <a:r>
+              <a:rPr lang="en-US" sz="2400" b="0" i="0" dirty="0" err="1">
+                <a:solidFill>
+                  <a:srgbClr val="374151"/>
+                </a:solidFill>
+                <a:effectLst/>
+                <a:latin typeface="Söhne"/>
+              </a:rPr>
+              <a:t>mengatur</a:t>
+            </a:r>
+            <a:r>
+              <a:rPr lang="en-US" sz="2400" b="0" i="0" dirty="0">
+                <a:solidFill>
+                  <a:srgbClr val="374151"/>
+                </a:solidFill>
+                <a:effectLst/>
+                <a:latin typeface="Söhne"/>
+              </a:rPr>
+              <a:t> </a:t>
+            </a:r>
+            <a:r>
+              <a:rPr lang="en-US" sz="2400" b="0" i="0" dirty="0" err="1">
+                <a:solidFill>
+                  <a:srgbClr val="374151"/>
+                </a:solidFill>
+                <a:effectLst/>
+                <a:latin typeface="Söhne"/>
+              </a:rPr>
+              <a:t>keuangan</a:t>
+            </a:r>
+            <a:r>
+              <a:rPr lang="en-US" sz="2400" b="0" i="0" dirty="0">
+                <a:solidFill>
+                  <a:srgbClr val="374151"/>
+                </a:solidFill>
+                <a:effectLst/>
+                <a:latin typeface="Söhne"/>
+              </a:rPr>
+              <a:t> Anda, </a:t>
+            </a:r>
+            <a:r>
+              <a:rPr lang="en-US" sz="2400" b="0" i="0" dirty="0" err="1">
+                <a:solidFill>
+                  <a:srgbClr val="374151"/>
+                </a:solidFill>
+                <a:effectLst/>
+                <a:latin typeface="Söhne"/>
+              </a:rPr>
+              <a:t>membantu</a:t>
+            </a:r>
+            <a:r>
+              <a:rPr lang="en-US" sz="2400" b="0" i="0" dirty="0">
+                <a:solidFill>
+                  <a:srgbClr val="374151"/>
+                </a:solidFill>
+                <a:effectLst/>
+                <a:latin typeface="Söhne"/>
+              </a:rPr>
+              <a:t> Anda </a:t>
+            </a:r>
+            <a:r>
+              <a:rPr lang="en-US" sz="2400" b="0" i="0" dirty="0" err="1">
+                <a:solidFill>
+                  <a:srgbClr val="374151"/>
+                </a:solidFill>
+                <a:effectLst/>
+                <a:latin typeface="Söhne"/>
+              </a:rPr>
+              <a:t>mencapai</a:t>
+            </a:r>
+            <a:r>
+              <a:rPr lang="en-US" sz="2400" b="0" i="0" dirty="0">
+                <a:solidFill>
+                  <a:srgbClr val="374151"/>
+                </a:solidFill>
+                <a:effectLst/>
+                <a:latin typeface="Söhne"/>
+              </a:rPr>
+              <a:t> </a:t>
+            </a:r>
+            <a:r>
+              <a:rPr lang="en-US" sz="2400" b="0" i="0" dirty="0" err="1">
+                <a:solidFill>
+                  <a:srgbClr val="374151"/>
+                </a:solidFill>
+                <a:effectLst/>
+                <a:latin typeface="Söhne"/>
+              </a:rPr>
+              <a:t>tujuan</a:t>
+            </a:r>
+            <a:r>
+              <a:rPr lang="en-US" sz="2400" b="0" i="0" dirty="0">
+                <a:solidFill>
+                  <a:srgbClr val="374151"/>
+                </a:solidFill>
+                <a:effectLst/>
+                <a:latin typeface="Söhne"/>
+              </a:rPr>
+              <a:t> </a:t>
+            </a:r>
+            <a:r>
+              <a:rPr lang="en-US" sz="2400" b="0" i="0" dirty="0" err="1">
+                <a:solidFill>
+                  <a:srgbClr val="374151"/>
+                </a:solidFill>
+                <a:effectLst/>
+                <a:latin typeface="Söhne"/>
+              </a:rPr>
+              <a:t>keuangan</a:t>
+            </a:r>
+            <a:r>
+              <a:rPr lang="en-US" sz="2400" b="0" i="0" dirty="0">
+                <a:solidFill>
+                  <a:srgbClr val="374151"/>
+                </a:solidFill>
+                <a:effectLst/>
+                <a:latin typeface="Söhne"/>
+              </a:rPr>
+              <a:t> </a:t>
+            </a:r>
+            <a:r>
+              <a:rPr lang="en-US" sz="2400" b="0" i="0" dirty="0" err="1">
+                <a:solidFill>
+                  <a:srgbClr val="374151"/>
+                </a:solidFill>
+                <a:effectLst/>
+                <a:latin typeface="Söhne"/>
+              </a:rPr>
+              <a:t>dengan</a:t>
+            </a:r>
+            <a:r>
+              <a:rPr lang="en-US" sz="2400" b="0" i="0" dirty="0">
+                <a:solidFill>
+                  <a:srgbClr val="374151"/>
+                </a:solidFill>
+                <a:effectLst/>
+                <a:latin typeface="Söhne"/>
+              </a:rPr>
+              <a:t> lebih </a:t>
+            </a:r>
+            <a:r>
+              <a:rPr lang="en-US" sz="2400" b="0" i="0" dirty="0" err="1">
+                <a:solidFill>
+                  <a:srgbClr val="374151"/>
+                </a:solidFill>
+                <a:effectLst/>
+                <a:latin typeface="Söhne"/>
+              </a:rPr>
+              <a:t>baik</a:t>
+            </a:r>
+            <a:r>
+              <a:rPr lang="en-US" sz="2400" b="0" i="0" dirty="0">
+                <a:solidFill>
+                  <a:srgbClr val="374151"/>
+                </a:solidFill>
+                <a:effectLst/>
+                <a:latin typeface="Söhne"/>
+              </a:rPr>
+              <a:t>.</a:t>
+            </a:r>
+            <a:endParaRPr lang="en-US" sz="2400" cap="none" spc="0" dirty="0">
+              <a:ln w="0"/>
+              <a:solidFill>
+                <a:srgbClr val="383651"/>
+              </a:solidFill>
+              <a:latin typeface="+mj-lt"/>
+              <a:ea typeface="Inter Medium" panose="02000503000000020004" pitchFamily="2" charset="0"/>
+            </a:endParaRPr>
+          </a:p>
+        </p:txBody>
+      </p:sp>
+    </p:spTree>
+    <p:extLst>
+      <p:ext uri="{BB962C8B-B14F-4D97-AF65-F5344CB8AC3E}">
+        <p14:creationId xmlns:p14="http://schemas.microsoft.com/office/powerpoint/2010/main" val="1965958426"/>
       </p:ext>
     </p:extLst>
   </p:cSld>
@@ -14375,6 +16280,193 @@
     <p:extLst>
       <p:ext uri="{BB962C8B-B14F-4D97-AF65-F5344CB8AC3E}">
         <p14:creationId xmlns:p14="http://schemas.microsoft.com/office/powerpoint/2010/main" val="326695397"/>
+      </p:ext>
+    </p:extLst>
+  </p:cSld>
+  <p:clrMapOvr>
+    <a:masterClrMapping/>
+  </p:clrMapOvr>
+  <mc:AlternateContent xmlns:mc="http://schemas.openxmlformats.org/markup-compatibility/2006" xmlns:p159="http://schemas.microsoft.com/office/powerpoint/2015/09/main">
+    <mc:Choice Requires="p159">
+      <p:transition xmlns:p14="http://schemas.microsoft.com/office/powerpoint/2010/main" spd="slow" p14:dur="2000">
+        <p159:morph option="byObject"/>
+      </p:transition>
+    </mc:Choice>
+    <mc:Fallback xmlns="">
+      <p:transition spd="slow">
+        <p:fade/>
+      </p:transition>
+    </mc:Fallback>
+  </mc:AlternateContent>
+</p:sld>
+</file>
+
+<file path=ppt/slides/slide30.xml><?xml version="1.0" encoding="utf-8"?>
+<p:sld xmlns:a="http://schemas.openxmlformats.org/drawingml/2006/main" xmlns:r="http://schemas.openxmlformats.org/officeDocument/2006/relationships" xmlns:p="http://schemas.openxmlformats.org/presentationml/2006/main">
+  <p:cSld>
+    <p:spTree>
+      <p:nvGrpSpPr>
+        <p:cNvPr id="1" name=""/>
+        <p:cNvGrpSpPr/>
+        <p:nvPr/>
+      </p:nvGrpSpPr>
+      <p:grpSpPr>
+        <a:xfrm>
+          <a:off x="0" y="0"/>
+          <a:ext cx="0" cy="0"/>
+          <a:chOff x="0" y="0"/>
+          <a:chExt cx="0" cy="0"/>
+        </a:xfrm>
+      </p:grpSpPr>
+      <p:sp>
+        <p:nvSpPr>
+          <p:cNvPr id="4" name="Rectangle 3">
+            <a:extLst>
+              <a:ext uri="{FF2B5EF4-FFF2-40B4-BE49-F238E27FC236}">
+                <a16:creationId xmlns:a16="http://schemas.microsoft.com/office/drawing/2014/main" id="{D65C8C26-76B5-4481-8C13-EB84506D9402}"/>
+              </a:ext>
+            </a:extLst>
+          </p:cNvPr>
+          <p:cNvSpPr/>
+          <p:nvPr/>
+        </p:nvSpPr>
+        <p:spPr>
+          <a:xfrm>
+            <a:off x="5057456" y="3009354"/>
+            <a:ext cx="1939955" cy="707886"/>
+          </a:xfrm>
+          <a:prstGeom prst="rect">
+            <a:avLst/>
+          </a:prstGeom>
+          <a:noFill/>
+        </p:spPr>
+        <p:txBody>
+          <a:bodyPr wrap="none" lIns="91440" tIns="45720" rIns="91440" bIns="45720">
+            <a:spAutoFit/>
+          </a:bodyPr>
+          <a:lstStyle>
+            <a:defPPr>
+              <a:defRPr lang="en-US"/>
+            </a:defPPr>
+            <a:lvl1pPr marL="0" algn="l" defTabSz="914400" rtl="0" eaLnBrk="1" latinLnBrk="0" hangingPunct="1">
+              <a:defRPr sz="1800" kern="1200">
+                <a:solidFill>
+                  <a:schemeClr val="tx1"/>
+                </a:solidFill>
+                <a:latin typeface="+mn-lt"/>
+                <a:ea typeface="+mn-ea"/>
+                <a:cs typeface="+mn-cs"/>
+              </a:defRPr>
+            </a:lvl1pPr>
+            <a:lvl2pPr marL="457200" algn="l" defTabSz="914400" rtl="0" eaLnBrk="1" latinLnBrk="0" hangingPunct="1">
+              <a:defRPr sz="1800" kern="1200">
+                <a:solidFill>
+                  <a:schemeClr val="tx1"/>
+                </a:solidFill>
+                <a:latin typeface="+mn-lt"/>
+                <a:ea typeface="+mn-ea"/>
+                <a:cs typeface="+mn-cs"/>
+              </a:defRPr>
+            </a:lvl2pPr>
+            <a:lvl3pPr marL="914400" algn="l" defTabSz="914400" rtl="0" eaLnBrk="1" latinLnBrk="0" hangingPunct="1">
+              <a:defRPr sz="1800" kern="1200">
+                <a:solidFill>
+                  <a:schemeClr val="tx1"/>
+                </a:solidFill>
+                <a:latin typeface="+mn-lt"/>
+                <a:ea typeface="+mn-ea"/>
+                <a:cs typeface="+mn-cs"/>
+              </a:defRPr>
+            </a:lvl3pPr>
+            <a:lvl4pPr marL="1371600" algn="l" defTabSz="914400" rtl="0" eaLnBrk="1" latinLnBrk="0" hangingPunct="1">
+              <a:defRPr sz="1800" kern="1200">
+                <a:solidFill>
+                  <a:schemeClr val="tx1"/>
+                </a:solidFill>
+                <a:latin typeface="+mn-lt"/>
+                <a:ea typeface="+mn-ea"/>
+                <a:cs typeface="+mn-cs"/>
+              </a:defRPr>
+            </a:lvl4pPr>
+            <a:lvl5pPr marL="1828800" algn="l" defTabSz="914400" rtl="0" eaLnBrk="1" latinLnBrk="0" hangingPunct="1">
+              <a:defRPr sz="1800" kern="1200">
+                <a:solidFill>
+                  <a:schemeClr val="tx1"/>
+                </a:solidFill>
+                <a:latin typeface="+mn-lt"/>
+                <a:ea typeface="+mn-ea"/>
+                <a:cs typeface="+mn-cs"/>
+              </a:defRPr>
+            </a:lvl5pPr>
+            <a:lvl6pPr marL="2286000" algn="l" defTabSz="914400" rtl="0" eaLnBrk="1" latinLnBrk="0" hangingPunct="1">
+              <a:defRPr sz="1800" kern="1200">
+                <a:solidFill>
+                  <a:schemeClr val="tx1"/>
+                </a:solidFill>
+                <a:latin typeface="+mn-lt"/>
+                <a:ea typeface="+mn-ea"/>
+                <a:cs typeface="+mn-cs"/>
+              </a:defRPr>
+            </a:lvl6pPr>
+            <a:lvl7pPr marL="2743200" algn="l" defTabSz="914400" rtl="0" eaLnBrk="1" latinLnBrk="0" hangingPunct="1">
+              <a:defRPr sz="1800" kern="1200">
+                <a:solidFill>
+                  <a:schemeClr val="tx1"/>
+                </a:solidFill>
+                <a:latin typeface="+mn-lt"/>
+                <a:ea typeface="+mn-ea"/>
+                <a:cs typeface="+mn-cs"/>
+              </a:defRPr>
+            </a:lvl7pPr>
+            <a:lvl8pPr marL="3200400" algn="l" defTabSz="914400" rtl="0" eaLnBrk="1" latinLnBrk="0" hangingPunct="1">
+              <a:defRPr sz="1800" kern="1200">
+                <a:solidFill>
+                  <a:schemeClr val="tx1"/>
+                </a:solidFill>
+                <a:latin typeface="+mn-lt"/>
+                <a:ea typeface="+mn-ea"/>
+                <a:cs typeface="+mn-cs"/>
+              </a:defRPr>
+            </a:lvl8pPr>
+            <a:lvl9pPr marL="3657600" algn="l" defTabSz="914400" rtl="0" eaLnBrk="1" latinLnBrk="0" hangingPunct="1">
+              <a:defRPr sz="1800" kern="1200">
+                <a:solidFill>
+                  <a:schemeClr val="tx1"/>
+                </a:solidFill>
+                <a:latin typeface="+mn-lt"/>
+                <a:ea typeface="+mn-ea"/>
+                <a:cs typeface="+mn-cs"/>
+              </a:defRPr>
+            </a:lvl9pPr>
+          </a:lstStyle>
+          <a:p>
+            <a:pPr algn="ctr"/>
+            <a:r>
+              <a:rPr lang="en-US" sz="4000" dirty="0" err="1">
+                <a:ln w="0"/>
+                <a:solidFill>
+                  <a:srgbClr val="383651"/>
+                </a:solidFill>
+                <a:latin typeface="Inter Medium" panose="02000503000000020004" pitchFamily="2" charset="0"/>
+                <a:ea typeface="Inter Medium" panose="02000503000000020004" pitchFamily="2" charset="0"/>
+              </a:rPr>
+              <a:t>Selesai</a:t>
+            </a:r>
+            <a:endParaRPr lang="en-US" sz="2400" cap="none" spc="0" dirty="0">
+              <a:ln w="0"/>
+              <a:solidFill>
+                <a:srgbClr val="383651"/>
+              </a:solidFill>
+              <a:latin typeface="Inter Medium" panose="02000503000000020004" pitchFamily="2" charset="0"/>
+              <a:ea typeface="Inter Medium" panose="02000503000000020004" pitchFamily="2" charset="0"/>
+            </a:endParaRPr>
+          </a:p>
+        </p:txBody>
+      </p:sp>
+    </p:spTree>
+    <p:extLst>
+      <p:ext uri="{BB962C8B-B14F-4D97-AF65-F5344CB8AC3E}">
+        <p14:creationId xmlns:p14="http://schemas.microsoft.com/office/powerpoint/2010/main" val="1107145064"/>
       </p:ext>
     </p:extLst>
   </p:cSld>
